--- a/WorkingArea/Badges/Digital Explorer Badges.pptx
+++ b/WorkingArea/Badges/Digital Explorer Badges.pptx
@@ -5,10 +5,10 @@
     <p:sldMasterId id="2147483648" r:id="rId1"/>
   </p:sldMasterIdLst>
   <p:notesMasterIdLst>
-    <p:notesMasterId r:id="rId14"/>
+    <p:notesMasterId r:id="rId13"/>
   </p:notesMasterIdLst>
   <p:handoutMasterIdLst>
-    <p:handoutMasterId r:id="rId15"/>
+    <p:handoutMasterId r:id="rId14"/>
   </p:handoutMasterIdLst>
   <p:sldIdLst>
     <p:sldId id="256" r:id="rId2"/>
@@ -22,7 +22,6 @@
     <p:sldId id="322" r:id="rId10"/>
     <p:sldId id="326" r:id="rId11"/>
     <p:sldId id="323" r:id="rId12"/>
-    <p:sldId id="325" r:id="rId13"/>
   </p:sldIdLst>
   <p:sldSz cx="14630400" cy="8229600"/>
   <p:notesSz cx="6858000" cy="9144000"/>
@@ -214,6 +213,14 @@
 </p:presentation>
 </file>
 
+<file path=ppt/revisionInfo.xml><?xml version="1.0" encoding="utf-8"?>
+<p1510:revInfo xmlns:a="http://schemas.openxmlformats.org/drawingml/2006/main" xmlns:r="http://schemas.openxmlformats.org/officeDocument/2006/relationships" xmlns:p1510="http://schemas.microsoft.com/office/powerpoint/2015/10/main">
+  <p1510:revLst>
+    <p1510:client id="{0D06C720-9C57-4E1E-B275-78274B6009E5}" v="202" dt="2018-07-09T08:54:06.901"/>
+  </p1510:revLst>
+</p1510:revInfo>
+</file>
+
 <file path=ppt/changesInfos/changesInfo1.xml><?xml version="1.0" encoding="utf-8"?>
 <pc:chgInfo xmlns:a="http://schemas.openxmlformats.org/drawingml/2006/main" xmlns:r="http://schemas.openxmlformats.org/officeDocument/2006/relationships" xmlns:ac="http://schemas.microsoft.com/office/drawing/2013/main/command" xmlns:pc="http://schemas.microsoft.com/office/powerpoint/2013/main/command">
   <pc:docChgLst>
@@ -317,6 +324,329 @@
         </pc:grpChg>
         <pc:graphicFrameChg chg="mod modGraphic">
           <ac:chgData name="David Stevens" userId="b6815b1ecc207c78" providerId="LiveId" clId="{92F79DC4-295C-419E-998B-5F1C8597ADC1}" dt="2018-05-22T14:59:55.546" v="60" actId="108"/>
+          <ac:graphicFrameMkLst>
+            <pc:docMk/>
+            <pc:sldMk cId="3131760488" sldId="326"/>
+            <ac:graphicFrameMk id="14" creationId="{A7BC4D54-A17B-438E-A39A-7FA0A53C2E78}"/>
+          </ac:graphicFrameMkLst>
+        </pc:graphicFrameChg>
+      </pc:sldChg>
+    </pc:docChg>
+  </pc:docChgLst>
+  <pc:docChgLst>
+    <pc:chgData name="Stevens, David" userId="73fe415a-d21a-4898-bfab-0e75d37181d7" providerId="ADAL" clId="{0D06C720-9C57-4E1E-B275-78274B6009E5}"/>
+    <pc:docChg chg="undo custSel delSld modSld">
+      <pc:chgData name="Stevens, David" userId="73fe415a-d21a-4898-bfab-0e75d37181d7" providerId="ADAL" clId="{0D06C720-9C57-4E1E-B275-78274B6009E5}" dt="2018-07-09T08:54:06.901" v="201" actId="2164"/>
+      <pc:docMkLst>
+        <pc:docMk/>
+      </pc:docMkLst>
+      <pc:sldChg chg="modSp">
+        <pc:chgData name="Stevens, David" userId="73fe415a-d21a-4898-bfab-0e75d37181d7" providerId="ADAL" clId="{0D06C720-9C57-4E1E-B275-78274B6009E5}" dt="2018-07-09T08:54:06.901" v="201" actId="2164"/>
+        <pc:sldMkLst>
+          <pc:docMk/>
+          <pc:sldMk cId="2848744142" sldId="259"/>
+        </pc:sldMkLst>
+        <pc:graphicFrameChg chg="modGraphic">
+          <ac:chgData name="Stevens, David" userId="73fe415a-d21a-4898-bfab-0e75d37181d7" providerId="ADAL" clId="{0D06C720-9C57-4E1E-B275-78274B6009E5}" dt="2018-07-09T08:54:06.901" v="201" actId="2164"/>
+          <ac:graphicFrameMkLst>
+            <pc:docMk/>
+            <pc:sldMk cId="2848744142" sldId="259"/>
+            <ac:graphicFrameMk id="23" creationId="{8DC5217E-5120-4A77-8AAF-6CE9CCDEDCCC}"/>
+          </ac:graphicFrameMkLst>
+        </pc:graphicFrameChg>
+      </pc:sldChg>
+      <pc:sldChg chg="addSp delSp modSp">
+        <pc:chgData name="Stevens, David" userId="73fe415a-d21a-4898-bfab-0e75d37181d7" providerId="ADAL" clId="{0D06C720-9C57-4E1E-B275-78274B6009E5}" dt="2018-07-09T08:54:01.065" v="200" actId="1076"/>
+        <pc:sldMkLst>
+          <pc:docMk/>
+          <pc:sldMk cId="3942625781" sldId="261"/>
+        </pc:sldMkLst>
+        <pc:spChg chg="mod">
+          <ac:chgData name="Stevens, David" userId="73fe415a-d21a-4898-bfab-0e75d37181d7" providerId="ADAL" clId="{0D06C720-9C57-4E1E-B275-78274B6009E5}" dt="2018-07-09T08:53:31.149" v="192" actId="1076"/>
+          <ac:spMkLst>
+            <pc:docMk/>
+            <pc:sldMk cId="3942625781" sldId="261"/>
+            <ac:spMk id="3" creationId="{8F09E122-47FB-49E4-9C1E-38878C6D529D}"/>
+          </ac:spMkLst>
+        </pc:spChg>
+        <pc:spChg chg="add del mod">
+          <ac:chgData name="Stevens, David" userId="73fe415a-d21a-4898-bfab-0e75d37181d7" providerId="ADAL" clId="{0D06C720-9C57-4E1E-B275-78274B6009E5}" dt="2018-07-09T08:16:47.344" v="128" actId="478"/>
+          <ac:spMkLst>
+            <pc:docMk/>
+            <pc:sldMk cId="3942625781" sldId="261"/>
+            <ac:spMk id="6" creationId="{6FDC515A-E5BE-4E00-8752-4312F9715AEC}"/>
+          </ac:spMkLst>
+        </pc:spChg>
+        <pc:spChg chg="add del mod">
+          <ac:chgData name="Stevens, David" userId="73fe415a-d21a-4898-bfab-0e75d37181d7" providerId="ADAL" clId="{0D06C720-9C57-4E1E-B275-78274B6009E5}" dt="2018-07-09T08:17:11.373" v="140" actId="478"/>
+          <ac:spMkLst>
+            <pc:docMk/>
+            <pc:sldMk cId="3942625781" sldId="261"/>
+            <ac:spMk id="7" creationId="{D108946D-8193-41EF-8AD8-1BA8E372565F}"/>
+          </ac:spMkLst>
+        </pc:spChg>
+        <pc:spChg chg="add del mod ord">
+          <ac:chgData name="Stevens, David" userId="73fe415a-d21a-4898-bfab-0e75d37181d7" providerId="ADAL" clId="{0D06C720-9C57-4E1E-B275-78274B6009E5}" dt="2018-07-09T08:16:47.997" v="129" actId="478"/>
+          <ac:spMkLst>
+            <pc:docMk/>
+            <pc:sldMk cId="3942625781" sldId="261"/>
+            <ac:spMk id="14" creationId="{B665053B-2AAB-403D-B42B-FEBF77D38BA7}"/>
+          </ac:spMkLst>
+        </pc:spChg>
+        <pc:spChg chg="add del mod">
+          <ac:chgData name="Stevens, David" userId="73fe415a-d21a-4898-bfab-0e75d37181d7" providerId="ADAL" clId="{0D06C720-9C57-4E1E-B275-78274B6009E5}" dt="2018-07-09T08:18:01.444" v="156" actId="478"/>
+          <ac:spMkLst>
+            <pc:docMk/>
+            <pc:sldMk cId="3942625781" sldId="261"/>
+            <ac:spMk id="15" creationId="{963373E2-1944-447E-AB4D-7CF5879E0086}"/>
+          </ac:spMkLst>
+        </pc:spChg>
+        <pc:spChg chg="add del mod">
+          <ac:chgData name="Stevens, David" userId="73fe415a-d21a-4898-bfab-0e75d37181d7" providerId="ADAL" clId="{0D06C720-9C57-4E1E-B275-78274B6009E5}" dt="2018-07-09T08:18:01.444" v="156" actId="478"/>
+          <ac:spMkLst>
+            <pc:docMk/>
+            <pc:sldMk cId="3942625781" sldId="261"/>
+            <ac:spMk id="16" creationId="{2792D243-4B9D-4660-B4A2-5B399FB2B101}"/>
+          </ac:spMkLst>
+        </pc:spChg>
+        <pc:spChg chg="add del mod">
+          <ac:chgData name="Stevens, David" userId="73fe415a-d21a-4898-bfab-0e75d37181d7" providerId="ADAL" clId="{0D06C720-9C57-4E1E-B275-78274B6009E5}" dt="2018-07-09T08:18:03.346" v="157"/>
+          <ac:spMkLst>
+            <pc:docMk/>
+            <pc:sldMk cId="3942625781" sldId="261"/>
+            <ac:spMk id="17" creationId="{2A421217-816E-4BC0-B84F-DB257D5AFD01}"/>
+          </ac:spMkLst>
+        </pc:spChg>
+        <pc:spChg chg="add mod">
+          <ac:chgData name="Stevens, David" userId="73fe415a-d21a-4898-bfab-0e75d37181d7" providerId="ADAL" clId="{0D06C720-9C57-4E1E-B275-78274B6009E5}" dt="2018-07-09T08:53:50.910" v="197" actId="14100"/>
+          <ac:spMkLst>
+            <pc:docMk/>
+            <pc:sldMk cId="3942625781" sldId="261"/>
+            <ac:spMk id="18" creationId="{1B3CC482-B442-4755-9B10-45781B85574D}"/>
+          </ac:spMkLst>
+        </pc:spChg>
+        <pc:spChg chg="add del mod">
+          <ac:chgData name="Stevens, David" userId="73fe415a-d21a-4898-bfab-0e75d37181d7" providerId="ADAL" clId="{0D06C720-9C57-4E1E-B275-78274B6009E5}" dt="2018-07-09T08:18:25.879" v="174" actId="478"/>
+          <ac:spMkLst>
+            <pc:docMk/>
+            <pc:sldMk cId="3942625781" sldId="261"/>
+            <ac:spMk id="19" creationId="{A940F32A-89AD-4BC6-8709-58F99DC7A14E}"/>
+          </ac:spMkLst>
+        </pc:spChg>
+        <pc:spChg chg="add mod">
+          <ac:chgData name="Stevens, David" userId="73fe415a-d21a-4898-bfab-0e75d37181d7" providerId="ADAL" clId="{0D06C720-9C57-4E1E-B275-78274B6009E5}" dt="2018-07-09T08:54:01.065" v="200" actId="1076"/>
+          <ac:spMkLst>
+            <pc:docMk/>
+            <pc:sldMk cId="3942625781" sldId="261"/>
+            <ac:spMk id="20" creationId="{810A3ED6-73F8-4F69-8557-8D022E2932D1}"/>
+          </ac:spMkLst>
+        </pc:spChg>
+        <pc:cxnChg chg="add del mod">
+          <ac:chgData name="Stevens, David" userId="73fe415a-d21a-4898-bfab-0e75d37181d7" providerId="ADAL" clId="{0D06C720-9C57-4E1E-B275-78274B6009E5}" dt="2018-07-09T08:53:54.249" v="199" actId="478"/>
+          <ac:cxnSpMkLst>
+            <pc:docMk/>
+            <pc:sldMk cId="3942625781" sldId="261"/>
+            <ac:cxnSpMk id="7" creationId="{0F4B4F80-43E4-4A5A-B4E5-6EE93537ADEF}"/>
+          </ac:cxnSpMkLst>
+        </pc:cxnChg>
+        <pc:cxnChg chg="add del mod">
+          <ac:chgData name="Stevens, David" userId="73fe415a-d21a-4898-bfab-0e75d37181d7" providerId="ADAL" clId="{0D06C720-9C57-4E1E-B275-78274B6009E5}" dt="2018-07-09T08:53:52.775" v="198" actId="478"/>
+          <ac:cxnSpMkLst>
+            <pc:docMk/>
+            <pc:sldMk cId="3942625781" sldId="261"/>
+            <ac:cxnSpMk id="15" creationId="{434B6B8D-F4BA-429E-B1F8-70BA421EC86E}"/>
+          </ac:cxnSpMkLst>
+        </pc:cxnChg>
+      </pc:sldChg>
+      <pc:sldChg chg="addSp delSp modSp">
+        <pc:chgData name="Stevens, David" userId="73fe415a-d21a-4898-bfab-0e75d37181d7" providerId="ADAL" clId="{0D06C720-9C57-4E1E-B275-78274B6009E5}" dt="2018-07-09T08:08:07.604" v="104" actId="1076"/>
+        <pc:sldMkLst>
+          <pc:docMk/>
+          <pc:sldMk cId="492255895" sldId="262"/>
+        </pc:sldMkLst>
+        <pc:spChg chg="mod topLvl">
+          <ac:chgData name="Stevens, David" userId="73fe415a-d21a-4898-bfab-0e75d37181d7" providerId="ADAL" clId="{0D06C720-9C57-4E1E-B275-78274B6009E5}" dt="2018-07-09T07:56:11.135" v="98" actId="164"/>
+          <ac:spMkLst>
+            <pc:docMk/>
+            <pc:sldMk cId="492255895" sldId="262"/>
+            <ac:spMk id="13" creationId="{6FF5D2E2-8F68-4FFE-AEE7-0CF6B48AF69B}"/>
+          </ac:spMkLst>
+        </pc:spChg>
+        <pc:spChg chg="mod topLvl">
+          <ac:chgData name="Stevens, David" userId="73fe415a-d21a-4898-bfab-0e75d37181d7" providerId="ADAL" clId="{0D06C720-9C57-4E1E-B275-78274B6009E5}" dt="2018-07-09T07:56:11.135" v="98" actId="164"/>
+          <ac:spMkLst>
+            <pc:docMk/>
+            <pc:sldMk cId="492255895" sldId="262"/>
+            <ac:spMk id="16" creationId="{381FA272-7623-4EEC-BCD7-8145EA538B8A}"/>
+          </ac:spMkLst>
+        </pc:spChg>
+        <pc:spChg chg="del">
+          <ac:chgData name="Stevens, David" userId="73fe415a-d21a-4898-bfab-0e75d37181d7" providerId="ADAL" clId="{0D06C720-9C57-4E1E-B275-78274B6009E5}" dt="2018-07-09T07:55:37.609" v="91" actId="478"/>
+          <ac:spMkLst>
+            <pc:docMk/>
+            <pc:sldMk cId="492255895" sldId="262"/>
+            <ac:spMk id="17" creationId="{F26554C9-3A84-4C0C-B26D-42DFB2F0B82E}"/>
+          </ac:spMkLst>
+        </pc:spChg>
+        <pc:spChg chg="mod topLvl">
+          <ac:chgData name="Stevens, David" userId="73fe415a-d21a-4898-bfab-0e75d37181d7" providerId="ADAL" clId="{0D06C720-9C57-4E1E-B275-78274B6009E5}" dt="2018-07-09T07:56:12.769" v="99" actId="164"/>
+          <ac:spMkLst>
+            <pc:docMk/>
+            <pc:sldMk cId="492255895" sldId="262"/>
+            <ac:spMk id="19" creationId="{842DB165-E6C4-49AD-AA57-260BECD2EA67}"/>
+          </ac:spMkLst>
+        </pc:spChg>
+        <pc:spChg chg="mod topLvl">
+          <ac:chgData name="Stevens, David" userId="73fe415a-d21a-4898-bfab-0e75d37181d7" providerId="ADAL" clId="{0D06C720-9C57-4E1E-B275-78274B6009E5}" dt="2018-07-09T07:56:12.769" v="99" actId="164"/>
+          <ac:spMkLst>
+            <pc:docMk/>
+            <pc:sldMk cId="492255895" sldId="262"/>
+            <ac:spMk id="20" creationId="{D52F7C25-AA9B-4F57-9601-59FBDDC6CB9A}"/>
+          </ac:spMkLst>
+        </pc:spChg>
+        <pc:spChg chg="del mod topLvl">
+          <ac:chgData name="Stevens, David" userId="73fe415a-d21a-4898-bfab-0e75d37181d7" providerId="ADAL" clId="{0D06C720-9C57-4E1E-B275-78274B6009E5}" dt="2018-07-09T07:55:09.494" v="85" actId="478"/>
+          <ac:spMkLst>
+            <pc:docMk/>
+            <pc:sldMk cId="492255895" sldId="262"/>
+            <ac:spMk id="21" creationId="{CEFF42F1-900D-435F-8AF6-E098EE3A06BF}"/>
+          </ac:spMkLst>
+        </pc:spChg>
+        <pc:grpChg chg="del">
+          <ac:chgData name="Stevens, David" userId="73fe415a-d21a-4898-bfab-0e75d37181d7" providerId="ADAL" clId="{0D06C720-9C57-4E1E-B275-78274B6009E5}" dt="2018-07-02T09:39:35.924" v="1" actId="478"/>
+          <ac:grpSpMkLst>
+            <pc:docMk/>
+            <pc:sldMk cId="492255895" sldId="262"/>
+            <ac:grpSpMk id="3" creationId="{F2A8A224-B365-4AE6-87C7-37C34BCEFBBB}"/>
+          </ac:grpSpMkLst>
+        </pc:grpChg>
+        <pc:grpChg chg="mod">
+          <ac:chgData name="Stevens, David" userId="73fe415a-d21a-4898-bfab-0e75d37181d7" providerId="ADAL" clId="{0D06C720-9C57-4E1E-B275-78274B6009E5}" dt="2018-07-09T07:50:45.449" v="62" actId="1076"/>
+          <ac:grpSpMkLst>
+            <pc:docMk/>
+            <pc:sldMk cId="492255895" sldId="262"/>
+            <ac:grpSpMk id="6" creationId="{35913779-960F-428C-9986-06765E7BD496}"/>
+          </ac:grpSpMkLst>
+        </pc:grpChg>
+        <pc:grpChg chg="add del mod">
+          <ac:chgData name="Stevens, David" userId="73fe415a-d21a-4898-bfab-0e75d37181d7" providerId="ADAL" clId="{0D06C720-9C57-4E1E-B275-78274B6009E5}" dt="2018-07-09T08:07:49.791" v="101" actId="478"/>
+          <ac:grpSpMkLst>
+            <pc:docMk/>
+            <pc:sldMk cId="492255895" sldId="262"/>
+            <ac:grpSpMk id="8" creationId="{0981A5E8-6459-4C4E-9946-2C8006CC245F}"/>
+          </ac:grpSpMkLst>
+        </pc:grpChg>
+        <pc:grpChg chg="add mod">
+          <ac:chgData name="Stevens, David" userId="73fe415a-d21a-4898-bfab-0e75d37181d7" providerId="ADAL" clId="{0D06C720-9C57-4E1E-B275-78274B6009E5}" dt="2018-07-09T08:08:07.604" v="104" actId="1076"/>
+          <ac:grpSpMkLst>
+            <pc:docMk/>
+            <pc:sldMk cId="492255895" sldId="262"/>
+            <ac:grpSpMk id="9" creationId="{F05350B0-C9F2-4A47-AD21-F5BCA2B29686}"/>
+          </ac:grpSpMkLst>
+        </pc:grpChg>
+        <pc:grpChg chg="add del mod">
+          <ac:chgData name="Stevens, David" userId="73fe415a-d21a-4898-bfab-0e75d37181d7" providerId="ADAL" clId="{0D06C720-9C57-4E1E-B275-78274B6009E5}" dt="2018-07-09T07:56:03.486" v="95" actId="165"/>
+          <ac:grpSpMkLst>
+            <pc:docMk/>
+            <pc:sldMk cId="492255895" sldId="262"/>
+            <ac:grpSpMk id="12" creationId="{E3CCE7C9-977A-4AD2-ACDB-FF6AC297E4D0}"/>
+          </ac:grpSpMkLst>
+        </pc:grpChg>
+        <pc:grpChg chg="add del mod">
+          <ac:chgData name="Stevens, David" userId="73fe415a-d21a-4898-bfab-0e75d37181d7" providerId="ADAL" clId="{0D06C720-9C57-4E1E-B275-78274B6009E5}" dt="2018-07-09T07:54:46.480" v="82" actId="165"/>
+          <ac:grpSpMkLst>
+            <pc:docMk/>
+            <pc:sldMk cId="492255895" sldId="262"/>
+            <ac:grpSpMk id="18" creationId="{F0B29B92-B4CB-4295-86A8-661F892423C1}"/>
+          </ac:grpSpMkLst>
+        </pc:grpChg>
+        <pc:graphicFrameChg chg="modGraphic">
+          <ac:chgData name="Stevens, David" userId="73fe415a-d21a-4898-bfab-0e75d37181d7" providerId="ADAL" clId="{0D06C720-9C57-4E1E-B275-78274B6009E5}" dt="2018-07-09T08:08:00.470" v="103" actId="2164"/>
+          <ac:graphicFrameMkLst>
+            <pc:docMk/>
+            <pc:sldMk cId="492255895" sldId="262"/>
+            <ac:graphicFrameMk id="14" creationId="{A7BC4D54-A17B-438E-A39A-7FA0A53C2E78}"/>
+          </ac:graphicFrameMkLst>
+        </pc:graphicFrameChg>
+        <pc:picChg chg="add mod">
+          <ac:chgData name="Stevens, David" userId="73fe415a-d21a-4898-bfab-0e75d37181d7" providerId="ADAL" clId="{0D06C720-9C57-4E1E-B275-78274B6009E5}" dt="2018-07-09T07:56:12.769" v="99" actId="164"/>
+          <ac:picMkLst>
+            <pc:docMk/>
+            <pc:sldMk cId="492255895" sldId="262"/>
+            <ac:picMk id="4" creationId="{0AD5BE59-AE25-4079-A980-A437936E0CFD}"/>
+          </ac:picMkLst>
+        </pc:picChg>
+        <pc:picChg chg="add mod">
+          <ac:chgData name="Stevens, David" userId="73fe415a-d21a-4898-bfab-0e75d37181d7" providerId="ADAL" clId="{0D06C720-9C57-4E1E-B275-78274B6009E5}" dt="2018-07-09T07:56:11.135" v="98" actId="164"/>
+          <ac:picMkLst>
+            <pc:docMk/>
+            <pc:sldMk cId="492255895" sldId="262"/>
+            <ac:picMk id="7" creationId="{459E3743-7514-4F26-B0C9-B6F1578868F5}"/>
+          </ac:picMkLst>
+        </pc:picChg>
+      </pc:sldChg>
+      <pc:sldChg chg="delSp">
+        <pc:chgData name="Stevens, David" userId="73fe415a-d21a-4898-bfab-0e75d37181d7" providerId="ADAL" clId="{0D06C720-9C57-4E1E-B275-78274B6009E5}" dt="2018-07-02T09:39:31.602" v="0" actId="478"/>
+        <pc:sldMkLst>
+          <pc:docMk/>
+          <pc:sldMk cId="1816925610" sldId="324"/>
+        </pc:sldMkLst>
+        <pc:grpChg chg="del">
+          <ac:chgData name="Stevens, David" userId="73fe415a-d21a-4898-bfab-0e75d37181d7" providerId="ADAL" clId="{0D06C720-9C57-4E1E-B275-78274B6009E5}" dt="2018-07-02T09:39:31.602" v="0" actId="478"/>
+          <ac:grpSpMkLst>
+            <pc:docMk/>
+            <pc:sldMk cId="1816925610" sldId="324"/>
+            <ac:grpSpMk id="4" creationId="{F6B3966D-4B1C-4AA6-9FFF-1339EB8DE467}"/>
+          </ac:grpSpMkLst>
+        </pc:grpChg>
+      </pc:sldChg>
+      <pc:sldChg chg="del">
+        <pc:chgData name="Stevens, David" userId="73fe415a-d21a-4898-bfab-0e75d37181d7" providerId="ADAL" clId="{0D06C720-9C57-4E1E-B275-78274B6009E5}" dt="2018-07-09T08:13:35.223" v="105" actId="2696"/>
+        <pc:sldMkLst>
+          <pc:docMk/>
+          <pc:sldMk cId="3892881487" sldId="325"/>
+        </pc:sldMkLst>
+      </pc:sldChg>
+      <pc:sldChg chg="addSp modSp">
+        <pc:chgData name="Stevens, David" userId="73fe415a-d21a-4898-bfab-0e75d37181d7" providerId="ADAL" clId="{0D06C720-9C57-4E1E-B275-78274B6009E5}" dt="2018-07-09T08:19:21.657" v="190" actId="12789"/>
+        <pc:sldMkLst>
+          <pc:docMk/>
+          <pc:sldMk cId="3131760488" sldId="326"/>
+        </pc:sldMkLst>
+        <pc:spChg chg="add mod ord">
+          <ac:chgData name="Stevens, David" userId="73fe415a-d21a-4898-bfab-0e75d37181d7" providerId="ADAL" clId="{0D06C720-9C57-4E1E-B275-78274B6009E5}" dt="2018-07-09T08:19:21.657" v="190" actId="12789"/>
+          <ac:spMkLst>
+            <pc:docMk/>
+            <pc:sldMk cId="3131760488" sldId="326"/>
+            <ac:spMk id="5" creationId="{63DEDB00-F3ED-499C-B70D-2B48F741B06D}"/>
+          </ac:spMkLst>
+        </pc:spChg>
+        <pc:spChg chg="add mod">
+          <ac:chgData name="Stevens, David" userId="73fe415a-d21a-4898-bfab-0e75d37181d7" providerId="ADAL" clId="{0D06C720-9C57-4E1E-B275-78274B6009E5}" dt="2018-07-09T08:19:21.657" v="190" actId="12789"/>
+          <ac:spMkLst>
+            <pc:docMk/>
+            <pc:sldMk cId="3131760488" sldId="326"/>
+            <ac:spMk id="6" creationId="{EB6AE692-005E-4E3D-BFCA-A9BE29E5F342}"/>
+          </ac:spMkLst>
+        </pc:spChg>
+        <pc:spChg chg="add mod ord">
+          <ac:chgData name="Stevens, David" userId="73fe415a-d21a-4898-bfab-0e75d37181d7" providerId="ADAL" clId="{0D06C720-9C57-4E1E-B275-78274B6009E5}" dt="2018-07-09T08:19:17.313" v="188" actId="12789"/>
+          <ac:spMkLst>
+            <pc:docMk/>
+            <pc:sldMk cId="3131760488" sldId="326"/>
+            <ac:spMk id="7" creationId="{28374A95-4DC9-469B-9BCC-050CB7C3BD6D}"/>
+          </ac:spMkLst>
+        </pc:spChg>
+        <pc:spChg chg="add mod">
+          <ac:chgData name="Stevens, David" userId="73fe415a-d21a-4898-bfab-0e75d37181d7" providerId="ADAL" clId="{0D06C720-9C57-4E1E-B275-78274B6009E5}" dt="2018-07-09T08:19:17.313" v="188" actId="12789"/>
+          <ac:spMkLst>
+            <pc:docMk/>
+            <pc:sldMk cId="3131760488" sldId="326"/>
+            <ac:spMk id="8" creationId="{459EE1CA-F1AF-4F4C-ADB6-AE7106702E1E}"/>
+          </ac:spMkLst>
+        </pc:spChg>
+        <pc:graphicFrameChg chg="mod modGraphic">
+          <ac:chgData name="Stevens, David" userId="73fe415a-d21a-4898-bfab-0e75d37181d7" providerId="ADAL" clId="{0D06C720-9C57-4E1E-B275-78274B6009E5}" dt="2018-07-09T08:15:12.920" v="110" actId="108"/>
           <ac:graphicFrameMkLst>
             <pc:docMk/>
             <pc:sldMk cId="3131760488" sldId="326"/>
@@ -441,7 +771,7 @@
                 <a:latin typeface="Arial"/>
                 <a:cs typeface="Arial"/>
               </a:rPr>
-              <a:t>6/12/2018</a:t>
+              <a:t>7/9/2018</a:t>
             </a:fld>
             <a:endParaRPr lang="en-US">
               <a:latin typeface="Arial"/>
@@ -626,7 +956,7 @@
             <a:fld id="{73B26A0F-F4D6-9B4F-A87B-D8948CDE3BB4}" type="datetimeFigureOut">
               <a:rPr lang="en-US" smtClean="0"/>
               <a:pPr/>
-              <a:t>6/12/2018</a:t>
+              <a:t>7/9/2018</a:t>
             </a:fld>
             <a:endParaRPr lang="en-US"/>
           </a:p>
@@ -2270,7 +2600,7 @@
                   <a:spcPts val="0"/>
                 </a:spcBef>
               </a:pPr>
-              <a:t>June 12, 2018</a:t>
+              <a:t>July 9, 2018</a:t>
             </a:fld>
             <a:endParaRPr lang="en-US" sz="1400" b="0" dirty="0">
               <a:solidFill>
@@ -4073,7 +4403,7 @@
                   <a:spcPct val="50000"/>
                 </a:spcBef>
               </a:pPr>
-              <a:t>June 12, 2018</a:t>
+              <a:t>July 9, 2018</a:t>
             </a:fld>
             <a:endParaRPr lang="en-US" sz="1100" b="0" dirty="0">
               <a:solidFill>
@@ -5826,7 +6156,7 @@
                   <a:spcPct val="50000"/>
                 </a:spcBef>
               </a:pPr>
-              <a:t>June 12, 2018</a:t>
+              <a:t>July 9, 2018</a:t>
             </a:fld>
             <a:endParaRPr lang="en-US" sz="1100" b="0" dirty="0">
               <a:solidFill>
@@ -7297,7 +7627,7 @@
                   <a:spcPct val="50000"/>
                 </a:spcBef>
               </a:pPr>
-              <a:t>June 12, 2018</a:t>
+              <a:t>July 9, 2018</a:t>
             </a:fld>
             <a:endParaRPr lang="en-US" sz="1100" b="0" dirty="0">
               <a:solidFill>
@@ -8650,7 +8980,7 @@
                   <a:spcPts val="0"/>
                 </a:spcBef>
               </a:pPr>
-              <a:t>June 12, 2018</a:t>
+              <a:t>July 9, 2018</a:t>
             </a:fld>
             <a:endParaRPr lang="en-US" sz="1100" b="0" dirty="0">
               <a:solidFill>
@@ -10087,7 +10417,7 @@
                   <a:spcPct val="50000"/>
                 </a:spcBef>
               </a:pPr>
-              <a:t>June 12, 2018</a:t>
+              <a:t>July 9, 2018</a:t>
             </a:fld>
             <a:endParaRPr lang="en-US" sz="1100" b="0" dirty="0">
               <a:solidFill>
@@ -12988,7 +13318,7 @@
                   <a:spcPts val="0"/>
                 </a:spcBef>
               </a:pPr>
-              <a:t>June 12, 2018</a:t>
+              <a:t>July 9, 2018</a:t>
             </a:fld>
             <a:endParaRPr lang="en-US" sz="1400" b="0" dirty="0">
               <a:solidFill>
@@ -14379,7 +14709,7 @@
                   <a:spcPts val="0"/>
                 </a:spcBef>
               </a:pPr>
-              <a:t>June 12, 2018</a:t>
+              <a:t>July 9, 2018</a:t>
             </a:fld>
             <a:endParaRPr lang="en-US" sz="1400" b="0" dirty="0">
               <a:solidFill>
@@ -15940,7 +16270,7 @@
                   <a:spcPts val="0"/>
                 </a:spcBef>
               </a:pPr>
-              <a:t>June 12, 2018</a:t>
+              <a:t>July 9, 2018</a:t>
             </a:fld>
             <a:endParaRPr lang="en-US" sz="1400" b="0" dirty="0">
               <a:solidFill>
@@ -17362,7 +17692,7 @@
                   <a:spcPts val="0"/>
                 </a:spcBef>
               </a:pPr>
-              <a:t>June 12, 2018</a:t>
+              <a:t>July 9, 2018</a:t>
             </a:fld>
             <a:endParaRPr lang="en-US" sz="1400" b="0" dirty="0">
               <a:solidFill>
@@ -18776,7 +19106,7 @@
                   <a:spcPts val="0"/>
                 </a:spcBef>
               </a:pPr>
-              <a:t>June 12, 2018</a:t>
+              <a:t>July 9, 2018</a:t>
             </a:fld>
             <a:endParaRPr lang="en-US" sz="1400" b="0" dirty="0">
               <a:solidFill>
@@ -20524,7 +20854,7 @@
                   <a:spcPts val="0"/>
                 </a:spcBef>
               </a:pPr>
-              <a:t>June 12, 2018</a:t>
+              <a:t>July 9, 2018</a:t>
             </a:fld>
             <a:endParaRPr lang="en-US" sz="1100" b="0" dirty="0">
               <a:solidFill>
@@ -21251,14 +21581,14 @@
           <p:nvPr>
             <p:extLst>
               <p:ext uri="{D42A27DB-BD31-4B8C-83A1-F6EECF244321}">
-                <p14:modId xmlns:p14="http://schemas.microsoft.com/office/powerpoint/2010/main" val="919460882"/>
+                <p14:modId xmlns:p14="http://schemas.microsoft.com/office/powerpoint/2010/main" val="1988924395"/>
               </p:ext>
             </p:extLst>
           </p:nvPr>
         </p:nvGraphicFramePr>
         <p:xfrm>
-          <a:off x="683110" y="2082517"/>
-          <a:ext cx="13059640" cy="1097280"/>
+          <a:off x="690464" y="2082517"/>
+          <a:ext cx="13052286" cy="1097280"/>
         </p:xfrm>
         <a:graphic>
           <a:graphicData uri="http://schemas.openxmlformats.org/drawingml/2006/table">
@@ -21267,7 +21597,7 @@
                 <a:tableStyleId>{45BD5076-5073-49C7-9E08-65982F3C9860}</a:tableStyleId>
               </a:tblPr>
               <a:tblGrid>
-                <a:gridCol w="3463738">
+                <a:gridCol w="3456384">
                   <a:extLst>
                     <a:ext uri="{9D8B030D-6E8A-4147-A177-3AD203B41FA5}">
                       <a16:colId xmlns:a16="http://schemas.microsoft.com/office/drawing/2014/main" val="312328726"/>
@@ -21574,23 +21904,6 @@
                     <a:bodyPr/>
                     <a:lstStyle/>
                     <a:p>
-                      <a:pPr marL="0" marR="0" lvl="0" indent="0" algn="l" defTabSz="1463040" rtl="0" eaLnBrk="1" fontAlgn="auto" latinLnBrk="0" hangingPunct="1">
-                        <a:lnSpc>
-                          <a:spcPct val="100000"/>
-                        </a:lnSpc>
-                        <a:spcBef>
-                          <a:spcPts val="0"/>
-                        </a:spcBef>
-                        <a:spcAft>
-                          <a:spcPts val="0"/>
-                        </a:spcAft>
-                        <a:buClrTx/>
-                        <a:buSzTx/>
-                        <a:buFontTx/>
-                        <a:buNone/>
-                        <a:tabLst/>
-                        <a:defRPr/>
-                      </a:pPr>
                       <a:r>
                         <a:rPr lang="en-GB" sz="1800" b="1" kern="1200" dirty="0">
                           <a:solidFill>
@@ -21600,7 +21913,7 @@
                           <a:ea typeface="+mn-ea"/>
                           <a:cs typeface="+mn-cs"/>
                         </a:rPr>
-                        <a:t>Membership</a:t>
+                        <a:t>In the Club</a:t>
                       </a:r>
                     </a:p>
                   </a:txBody>
@@ -21683,7 +21996,7 @@
                           <a:ea typeface="+mn-ea"/>
                           <a:cs typeface="+mn-cs"/>
                         </a:rPr>
-                        <a:t>added as a member of an existing workspace</a:t>
+                        <a:t>Added as a member of an existing workspace</a:t>
                       </a:r>
                     </a:p>
                   </a:txBody>
@@ -21776,6 +22089,803 @@
               <a:rPr lang="en-GB" dirty="0"/>
               <a:t>Calculated based on the content within the workspace module</a:t>
             </a:r>
+          </a:p>
+        </p:txBody>
+      </p:sp>
+      <p:sp>
+        <p:nvSpPr>
+          <p:cNvPr id="6" name="Rectangle 5">
+            <a:extLst>
+              <a:ext uri="{FF2B5EF4-FFF2-40B4-BE49-F238E27FC236}">
+                <a16:creationId xmlns:a16="http://schemas.microsoft.com/office/drawing/2014/main" id="{EB6AE692-005E-4E3D-BFCA-A9BE29E5F342}"/>
+              </a:ext>
+            </a:extLst>
+          </p:cNvPr>
+          <p:cNvSpPr/>
+          <p:nvPr/>
+        </p:nvSpPr>
+        <p:spPr>
+          <a:xfrm rot="2700000">
+            <a:off x="1491273" y="4195529"/>
+            <a:ext cx="1432851" cy="1432851"/>
+          </a:xfrm>
+          <a:prstGeom prst="rect">
+            <a:avLst/>
+          </a:prstGeom>
+          <a:solidFill>
+            <a:schemeClr val="bg1"/>
+          </a:solidFill>
+          <a:ln w="127000" cmpd="thinThick">
+            <a:solidFill>
+              <a:schemeClr val="tx1"/>
+            </a:solidFill>
+          </a:ln>
+        </p:spPr>
+        <p:style>
+          <a:lnRef idx="0">
+            <a:schemeClr val="accent1"/>
+          </a:lnRef>
+          <a:fillRef idx="1">
+            <a:schemeClr val="accent1"/>
+          </a:fillRef>
+          <a:effectRef idx="0">
+            <a:schemeClr val="accent1"/>
+          </a:effectRef>
+          <a:fontRef idx="minor">
+            <a:schemeClr val="lt1"/>
+          </a:fontRef>
+        </p:style>
+        <p:txBody>
+          <a:bodyPr rtlCol="0" anchor="ctr"/>
+          <a:lstStyle/>
+          <a:p>
+            <a:pPr algn="ctr"/>
+            <a:endParaRPr lang="en-GB"/>
+          </a:p>
+        </p:txBody>
+      </p:sp>
+      <p:sp>
+        <p:nvSpPr>
+          <p:cNvPr id="5" name="Freeform 5">
+            <a:extLst>
+              <a:ext uri="{FF2B5EF4-FFF2-40B4-BE49-F238E27FC236}">
+                <a16:creationId xmlns:a16="http://schemas.microsoft.com/office/drawing/2014/main" id="{63DEDB00-F3ED-499C-B70D-2B48F741B06D}"/>
+              </a:ext>
+            </a:extLst>
+          </p:cNvPr>
+          <p:cNvSpPr>
+            <a:spLocks noChangeAspect="1" noEditPoints="1"/>
+          </p:cNvSpPr>
+          <p:nvPr/>
+        </p:nvSpPr>
+        <p:spPr bwMode="auto">
+          <a:xfrm>
+            <a:off x="1744842" y="4600891"/>
+            <a:ext cx="925713" cy="622127"/>
+          </a:xfrm>
+          <a:custGeom>
+            <a:avLst/>
+            <a:gdLst>
+              <a:gd name="T0" fmla="*/ 259 w 259"/>
+              <a:gd name="T1" fmla="*/ 129 h 173"/>
+              <a:gd name="T2" fmla="*/ 259 w 259"/>
+              <a:gd name="T3" fmla="*/ 173 h 173"/>
+              <a:gd name="T4" fmla="*/ 0 w 259"/>
+              <a:gd name="T5" fmla="*/ 173 h 173"/>
+              <a:gd name="T6" fmla="*/ 0 w 259"/>
+              <a:gd name="T7" fmla="*/ 129 h 173"/>
+              <a:gd name="T8" fmla="*/ 129 w 259"/>
+              <a:gd name="T9" fmla="*/ 0 h 173"/>
+              <a:gd name="T10" fmla="*/ 259 w 259"/>
+              <a:gd name="T11" fmla="*/ 129 h 173"/>
+              <a:gd name="T12" fmla="*/ 216 w 259"/>
+              <a:gd name="T13" fmla="*/ 86 h 173"/>
+              <a:gd name="T14" fmla="*/ 124 w 259"/>
+              <a:gd name="T15" fmla="*/ 109 h 173"/>
+              <a:gd name="T16" fmla="*/ 120 w 259"/>
+              <a:gd name="T17" fmla="*/ 110 h 173"/>
+              <a:gd name="T18" fmla="*/ 110 w 259"/>
+              <a:gd name="T19" fmla="*/ 139 h 173"/>
+              <a:gd name="T20" fmla="*/ 139 w 259"/>
+              <a:gd name="T21" fmla="*/ 149 h 173"/>
+              <a:gd name="T22" fmla="*/ 143 w 259"/>
+              <a:gd name="T23" fmla="*/ 146 h 173"/>
+              <a:gd name="T24" fmla="*/ 216 w 259"/>
+              <a:gd name="T25" fmla="*/ 86 h 173"/>
+              <a:gd name="T26" fmla="*/ 173 w 259"/>
+              <a:gd name="T27" fmla="*/ 75 h 173"/>
+              <a:gd name="T28" fmla="*/ 216 w 259"/>
+              <a:gd name="T29" fmla="*/ 65 h 173"/>
+              <a:gd name="T30" fmla="*/ 129 w 259"/>
+              <a:gd name="T31" fmla="*/ 21 h 173"/>
+              <a:gd name="T32" fmla="*/ 52 w 259"/>
+              <a:gd name="T33" fmla="*/ 54 h 173"/>
+              <a:gd name="T34" fmla="*/ 52 w 259"/>
+              <a:gd name="T35" fmla="*/ 54 h 173"/>
+              <a:gd name="T36" fmla="*/ 98 w 259"/>
+              <a:gd name="T37" fmla="*/ 43 h 173"/>
+              <a:gd name="T38" fmla="*/ 173 w 259"/>
+              <a:gd name="T39" fmla="*/ 75 h 173"/>
+            </a:gdLst>
+            <a:ahLst/>
+            <a:cxnLst>
+              <a:cxn ang="0">
+                <a:pos x="T0" y="T1"/>
+              </a:cxn>
+              <a:cxn ang="0">
+                <a:pos x="T2" y="T3"/>
+              </a:cxn>
+              <a:cxn ang="0">
+                <a:pos x="T4" y="T5"/>
+              </a:cxn>
+              <a:cxn ang="0">
+                <a:pos x="T6" y="T7"/>
+              </a:cxn>
+              <a:cxn ang="0">
+                <a:pos x="T8" y="T9"/>
+              </a:cxn>
+              <a:cxn ang="0">
+                <a:pos x="T10" y="T11"/>
+              </a:cxn>
+              <a:cxn ang="0">
+                <a:pos x="T12" y="T13"/>
+              </a:cxn>
+              <a:cxn ang="0">
+                <a:pos x="T14" y="T15"/>
+              </a:cxn>
+              <a:cxn ang="0">
+                <a:pos x="T16" y="T17"/>
+              </a:cxn>
+              <a:cxn ang="0">
+                <a:pos x="T18" y="T19"/>
+              </a:cxn>
+              <a:cxn ang="0">
+                <a:pos x="T20" y="T21"/>
+              </a:cxn>
+              <a:cxn ang="0">
+                <a:pos x="T22" y="T23"/>
+              </a:cxn>
+              <a:cxn ang="0">
+                <a:pos x="T24" y="T25"/>
+              </a:cxn>
+              <a:cxn ang="0">
+                <a:pos x="T26" y="T27"/>
+              </a:cxn>
+              <a:cxn ang="0">
+                <a:pos x="T28" y="T29"/>
+              </a:cxn>
+              <a:cxn ang="0">
+                <a:pos x="T30" y="T31"/>
+              </a:cxn>
+              <a:cxn ang="0">
+                <a:pos x="T32" y="T33"/>
+              </a:cxn>
+              <a:cxn ang="0">
+                <a:pos x="T34" y="T35"/>
+              </a:cxn>
+              <a:cxn ang="0">
+                <a:pos x="T36" y="T37"/>
+              </a:cxn>
+              <a:cxn ang="0">
+                <a:pos x="T38" y="T39"/>
+              </a:cxn>
+            </a:cxnLst>
+            <a:rect l="0" t="0" r="r" b="b"/>
+            <a:pathLst>
+              <a:path w="259" h="173">
+                <a:moveTo>
+                  <a:pt x="259" y="129"/>
+                </a:moveTo>
+                <a:cubicBezTo>
+                  <a:pt x="259" y="173"/>
+                  <a:pt x="259" y="173"/>
+                  <a:pt x="259" y="173"/>
+                </a:cubicBezTo>
+                <a:cubicBezTo>
+                  <a:pt x="0" y="173"/>
+                  <a:pt x="0" y="173"/>
+                  <a:pt x="0" y="173"/>
+                </a:cubicBezTo>
+                <a:cubicBezTo>
+                  <a:pt x="0" y="129"/>
+                  <a:pt x="0" y="129"/>
+                  <a:pt x="0" y="129"/>
+                </a:cubicBezTo>
+                <a:cubicBezTo>
+                  <a:pt x="0" y="58"/>
+                  <a:pt x="58" y="0"/>
+                  <a:pt x="129" y="0"/>
+                </a:cubicBezTo>
+                <a:cubicBezTo>
+                  <a:pt x="201" y="0"/>
+                  <a:pt x="259" y="58"/>
+                  <a:pt x="259" y="129"/>
+                </a:cubicBezTo>
+                <a:close/>
+                <a:moveTo>
+                  <a:pt x="216" y="86"/>
+                </a:moveTo>
+                <a:cubicBezTo>
+                  <a:pt x="124" y="109"/>
+                  <a:pt x="124" y="109"/>
+                  <a:pt x="124" y="109"/>
+                </a:cubicBezTo>
+                <a:cubicBezTo>
+                  <a:pt x="122" y="109"/>
+                  <a:pt x="121" y="109"/>
+                  <a:pt x="120" y="110"/>
+                </a:cubicBezTo>
+                <a:cubicBezTo>
+                  <a:pt x="109" y="115"/>
+                  <a:pt x="105" y="128"/>
+                  <a:pt x="110" y="139"/>
+                </a:cubicBezTo>
+                <a:cubicBezTo>
+                  <a:pt x="115" y="150"/>
+                  <a:pt x="128" y="154"/>
+                  <a:pt x="139" y="149"/>
+                </a:cubicBezTo>
+                <a:cubicBezTo>
+                  <a:pt x="140" y="148"/>
+                  <a:pt x="141" y="147"/>
+                  <a:pt x="143" y="146"/>
+                </a:cubicBezTo>
+                <a:lnTo>
+                  <a:pt x="216" y="86"/>
+                </a:lnTo>
+                <a:close/>
+                <a:moveTo>
+                  <a:pt x="173" y="75"/>
+                </a:moveTo>
+                <a:cubicBezTo>
+                  <a:pt x="216" y="65"/>
+                  <a:pt x="216" y="65"/>
+                  <a:pt x="216" y="65"/>
+                </a:cubicBezTo>
+                <a:cubicBezTo>
+                  <a:pt x="196" y="38"/>
+                  <a:pt x="165" y="21"/>
+                  <a:pt x="129" y="21"/>
+                </a:cubicBezTo>
+                <a:cubicBezTo>
+                  <a:pt x="99" y="21"/>
+                  <a:pt x="72" y="34"/>
+                  <a:pt x="52" y="54"/>
+                </a:cubicBezTo>
+                <a:cubicBezTo>
+                  <a:pt x="52" y="54"/>
+                  <a:pt x="52" y="54"/>
+                  <a:pt x="52" y="54"/>
+                </a:cubicBezTo>
+                <a:cubicBezTo>
+                  <a:pt x="66" y="47"/>
+                  <a:pt x="82" y="43"/>
+                  <a:pt x="98" y="43"/>
+                </a:cubicBezTo>
+                <a:cubicBezTo>
+                  <a:pt x="127" y="43"/>
+                  <a:pt x="154" y="55"/>
+                  <a:pt x="173" y="75"/>
+                </a:cubicBezTo>
+                <a:close/>
+              </a:path>
+            </a:pathLst>
+          </a:custGeom>
+          <a:solidFill>
+            <a:srgbClr val="000000"/>
+          </a:solidFill>
+          <a:ln>
+            <a:noFill/>
+          </a:ln>
+          <a:extLst>
+            <a:ext uri="{91240B29-F687-4F45-9708-019B960494DF}">
+              <a14:hiddenLine xmlns:a14="http://schemas.microsoft.com/office/drawing/2010/main" w="9525">
+                <a:solidFill>
+                  <a:srgbClr val="000000"/>
+                </a:solidFill>
+                <a:round/>
+                <a:headEnd/>
+                <a:tailEnd/>
+              </a14:hiddenLine>
+            </a:ext>
+          </a:extLst>
+        </p:spPr>
+        <p:txBody>
+          <a:bodyPr vert="horz" wrap="square" lIns="91440" tIns="45720" rIns="91440" bIns="45720" numCol="1" anchor="t" anchorCtr="0" compatLnSpc="1">
+            <a:prstTxWarp prst="textNoShape">
+              <a:avLst/>
+            </a:prstTxWarp>
+          </a:bodyPr>
+          <a:lstStyle/>
+          <a:p>
+            <a:endParaRPr lang="en-GB" dirty="0"/>
+          </a:p>
+        </p:txBody>
+      </p:sp>
+      <p:sp>
+        <p:nvSpPr>
+          <p:cNvPr id="8" name="Rectangle 7">
+            <a:extLst>
+              <a:ext uri="{FF2B5EF4-FFF2-40B4-BE49-F238E27FC236}">
+                <a16:creationId xmlns:a16="http://schemas.microsoft.com/office/drawing/2014/main" id="{459EE1CA-F1AF-4F4C-ADB6-AE7106702E1E}"/>
+              </a:ext>
+            </a:extLst>
+          </p:cNvPr>
+          <p:cNvSpPr/>
+          <p:nvPr/>
+        </p:nvSpPr>
+        <p:spPr>
+          <a:xfrm rot="2700000">
+            <a:off x="4334930" y="4249038"/>
+            <a:ext cx="1432851" cy="1432851"/>
+          </a:xfrm>
+          <a:prstGeom prst="rect">
+            <a:avLst/>
+          </a:prstGeom>
+          <a:solidFill>
+            <a:schemeClr val="bg1"/>
+          </a:solidFill>
+          <a:ln w="127000" cmpd="thinThick">
+            <a:solidFill>
+              <a:schemeClr val="tx1"/>
+            </a:solidFill>
+          </a:ln>
+        </p:spPr>
+        <p:style>
+          <a:lnRef idx="0">
+            <a:schemeClr val="accent1"/>
+          </a:lnRef>
+          <a:fillRef idx="1">
+            <a:schemeClr val="accent1"/>
+          </a:fillRef>
+          <a:effectRef idx="0">
+            <a:schemeClr val="accent1"/>
+          </a:effectRef>
+          <a:fontRef idx="minor">
+            <a:schemeClr val="lt1"/>
+          </a:fontRef>
+        </p:style>
+        <p:txBody>
+          <a:bodyPr rtlCol="0" anchor="ctr"/>
+          <a:lstStyle/>
+          <a:p>
+            <a:pPr algn="ctr"/>
+            <a:endParaRPr lang="en-GB"/>
+          </a:p>
+        </p:txBody>
+      </p:sp>
+      <p:sp>
+        <p:nvSpPr>
+          <p:cNvPr id="7" name="Freeform 89">
+            <a:extLst>
+              <a:ext uri="{FF2B5EF4-FFF2-40B4-BE49-F238E27FC236}">
+                <a16:creationId xmlns:a16="http://schemas.microsoft.com/office/drawing/2014/main" id="{28374A95-4DC9-469B-9BCC-050CB7C3BD6D}"/>
+              </a:ext>
+            </a:extLst>
+          </p:cNvPr>
+          <p:cNvSpPr>
+            <a:spLocks noChangeAspect="1" noEditPoints="1"/>
+          </p:cNvSpPr>
+          <p:nvPr/>
+        </p:nvSpPr>
+        <p:spPr bwMode="auto">
+          <a:xfrm>
+            <a:off x="4631836" y="4580699"/>
+            <a:ext cx="839038" cy="769528"/>
+          </a:xfrm>
+          <a:custGeom>
+            <a:avLst/>
+            <a:gdLst>
+              <a:gd name="T0" fmla="*/ 576 w 1152"/>
+              <a:gd name="T1" fmla="*/ 288 h 1056"/>
+              <a:gd name="T2" fmla="*/ 768 w 1152"/>
+              <a:gd name="T3" fmla="*/ 480 h 1056"/>
+              <a:gd name="T4" fmla="*/ 768 w 1152"/>
+              <a:gd name="T5" fmla="*/ 672 h 1056"/>
+              <a:gd name="T6" fmla="*/ 576 w 1152"/>
+              <a:gd name="T7" fmla="*/ 480 h 1056"/>
+              <a:gd name="T8" fmla="*/ 384 w 1152"/>
+              <a:gd name="T9" fmla="*/ 672 h 1056"/>
+              <a:gd name="T10" fmla="*/ 384 w 1152"/>
+              <a:gd name="T11" fmla="*/ 480 h 1056"/>
+              <a:gd name="T12" fmla="*/ 576 w 1152"/>
+              <a:gd name="T13" fmla="*/ 288 h 1056"/>
+              <a:gd name="T14" fmla="*/ 720 w 1152"/>
+              <a:gd name="T15" fmla="*/ 144 h 1056"/>
+              <a:gd name="T16" fmla="*/ 576 w 1152"/>
+              <a:gd name="T17" fmla="*/ 0 h 1056"/>
+              <a:gd name="T18" fmla="*/ 432 w 1152"/>
+              <a:gd name="T19" fmla="*/ 144 h 1056"/>
+              <a:gd name="T20" fmla="*/ 576 w 1152"/>
+              <a:gd name="T21" fmla="*/ 288 h 1056"/>
+              <a:gd name="T22" fmla="*/ 720 w 1152"/>
+              <a:gd name="T23" fmla="*/ 144 h 1056"/>
+              <a:gd name="T24" fmla="*/ 336 w 1152"/>
+              <a:gd name="T25" fmla="*/ 528 h 1056"/>
+              <a:gd name="T26" fmla="*/ 192 w 1152"/>
+              <a:gd name="T27" fmla="*/ 384 h 1056"/>
+              <a:gd name="T28" fmla="*/ 48 w 1152"/>
+              <a:gd name="T29" fmla="*/ 528 h 1056"/>
+              <a:gd name="T30" fmla="*/ 192 w 1152"/>
+              <a:gd name="T31" fmla="*/ 672 h 1056"/>
+              <a:gd name="T32" fmla="*/ 336 w 1152"/>
+              <a:gd name="T33" fmla="*/ 528 h 1056"/>
+              <a:gd name="T34" fmla="*/ 328 w 1152"/>
+              <a:gd name="T35" fmla="*/ 728 h 1056"/>
+              <a:gd name="T36" fmla="*/ 192 w 1152"/>
+              <a:gd name="T37" fmla="*/ 672 h 1056"/>
+              <a:gd name="T38" fmla="*/ 0 w 1152"/>
+              <a:gd name="T39" fmla="*/ 864 h 1056"/>
+              <a:gd name="T40" fmla="*/ 0 w 1152"/>
+              <a:gd name="T41" fmla="*/ 1056 h 1056"/>
+              <a:gd name="T42" fmla="*/ 384 w 1152"/>
+              <a:gd name="T43" fmla="*/ 1056 h 1056"/>
+              <a:gd name="T44" fmla="*/ 384 w 1152"/>
+              <a:gd name="T45" fmla="*/ 864 h 1056"/>
+              <a:gd name="T46" fmla="*/ 192 w 1152"/>
+              <a:gd name="T47" fmla="*/ 864 h 1056"/>
+              <a:gd name="T48" fmla="*/ 328 w 1152"/>
+              <a:gd name="T49" fmla="*/ 728 h 1056"/>
+              <a:gd name="T50" fmla="*/ 1104 w 1152"/>
+              <a:gd name="T51" fmla="*/ 528 h 1056"/>
+              <a:gd name="T52" fmla="*/ 960 w 1152"/>
+              <a:gd name="T53" fmla="*/ 384 h 1056"/>
+              <a:gd name="T54" fmla="*/ 816 w 1152"/>
+              <a:gd name="T55" fmla="*/ 528 h 1056"/>
+              <a:gd name="T56" fmla="*/ 960 w 1152"/>
+              <a:gd name="T57" fmla="*/ 672 h 1056"/>
+              <a:gd name="T58" fmla="*/ 1104 w 1152"/>
+              <a:gd name="T59" fmla="*/ 528 h 1056"/>
+              <a:gd name="T60" fmla="*/ 960 w 1152"/>
+              <a:gd name="T61" fmla="*/ 672 h 1056"/>
+              <a:gd name="T62" fmla="*/ 824 w 1152"/>
+              <a:gd name="T63" fmla="*/ 728 h 1056"/>
+              <a:gd name="T64" fmla="*/ 960 w 1152"/>
+              <a:gd name="T65" fmla="*/ 864 h 1056"/>
+              <a:gd name="T66" fmla="*/ 768 w 1152"/>
+              <a:gd name="T67" fmla="*/ 864 h 1056"/>
+              <a:gd name="T68" fmla="*/ 768 w 1152"/>
+              <a:gd name="T69" fmla="*/ 1056 h 1056"/>
+              <a:gd name="T70" fmla="*/ 1152 w 1152"/>
+              <a:gd name="T71" fmla="*/ 1056 h 1056"/>
+              <a:gd name="T72" fmla="*/ 1152 w 1152"/>
+              <a:gd name="T73" fmla="*/ 864 h 1056"/>
+              <a:gd name="T74" fmla="*/ 960 w 1152"/>
+              <a:gd name="T75" fmla="*/ 672 h 1056"/>
+            </a:gdLst>
+            <a:ahLst/>
+            <a:cxnLst>
+              <a:cxn ang="0">
+                <a:pos x="T0" y="T1"/>
+              </a:cxn>
+              <a:cxn ang="0">
+                <a:pos x="T2" y="T3"/>
+              </a:cxn>
+              <a:cxn ang="0">
+                <a:pos x="T4" y="T5"/>
+              </a:cxn>
+              <a:cxn ang="0">
+                <a:pos x="T6" y="T7"/>
+              </a:cxn>
+              <a:cxn ang="0">
+                <a:pos x="T8" y="T9"/>
+              </a:cxn>
+              <a:cxn ang="0">
+                <a:pos x="T10" y="T11"/>
+              </a:cxn>
+              <a:cxn ang="0">
+                <a:pos x="T12" y="T13"/>
+              </a:cxn>
+              <a:cxn ang="0">
+                <a:pos x="T14" y="T15"/>
+              </a:cxn>
+              <a:cxn ang="0">
+                <a:pos x="T16" y="T17"/>
+              </a:cxn>
+              <a:cxn ang="0">
+                <a:pos x="T18" y="T19"/>
+              </a:cxn>
+              <a:cxn ang="0">
+                <a:pos x="T20" y="T21"/>
+              </a:cxn>
+              <a:cxn ang="0">
+                <a:pos x="T22" y="T23"/>
+              </a:cxn>
+              <a:cxn ang="0">
+                <a:pos x="T24" y="T25"/>
+              </a:cxn>
+              <a:cxn ang="0">
+                <a:pos x="T26" y="T27"/>
+              </a:cxn>
+              <a:cxn ang="0">
+                <a:pos x="T28" y="T29"/>
+              </a:cxn>
+              <a:cxn ang="0">
+                <a:pos x="T30" y="T31"/>
+              </a:cxn>
+              <a:cxn ang="0">
+                <a:pos x="T32" y="T33"/>
+              </a:cxn>
+              <a:cxn ang="0">
+                <a:pos x="T34" y="T35"/>
+              </a:cxn>
+              <a:cxn ang="0">
+                <a:pos x="T36" y="T37"/>
+              </a:cxn>
+              <a:cxn ang="0">
+                <a:pos x="T38" y="T39"/>
+              </a:cxn>
+              <a:cxn ang="0">
+                <a:pos x="T40" y="T41"/>
+              </a:cxn>
+              <a:cxn ang="0">
+                <a:pos x="T42" y="T43"/>
+              </a:cxn>
+              <a:cxn ang="0">
+                <a:pos x="T44" y="T45"/>
+              </a:cxn>
+              <a:cxn ang="0">
+                <a:pos x="T46" y="T47"/>
+              </a:cxn>
+              <a:cxn ang="0">
+                <a:pos x="T48" y="T49"/>
+              </a:cxn>
+              <a:cxn ang="0">
+                <a:pos x="T50" y="T51"/>
+              </a:cxn>
+              <a:cxn ang="0">
+                <a:pos x="T52" y="T53"/>
+              </a:cxn>
+              <a:cxn ang="0">
+                <a:pos x="T54" y="T55"/>
+              </a:cxn>
+              <a:cxn ang="0">
+                <a:pos x="T56" y="T57"/>
+              </a:cxn>
+              <a:cxn ang="0">
+                <a:pos x="T58" y="T59"/>
+              </a:cxn>
+              <a:cxn ang="0">
+                <a:pos x="T60" y="T61"/>
+              </a:cxn>
+              <a:cxn ang="0">
+                <a:pos x="T62" y="T63"/>
+              </a:cxn>
+              <a:cxn ang="0">
+                <a:pos x="T64" y="T65"/>
+              </a:cxn>
+              <a:cxn ang="0">
+                <a:pos x="T66" y="T67"/>
+              </a:cxn>
+              <a:cxn ang="0">
+                <a:pos x="T68" y="T69"/>
+              </a:cxn>
+              <a:cxn ang="0">
+                <a:pos x="T70" y="T71"/>
+              </a:cxn>
+              <a:cxn ang="0">
+                <a:pos x="T72" y="T73"/>
+              </a:cxn>
+              <a:cxn ang="0">
+                <a:pos x="T74" y="T75"/>
+              </a:cxn>
+            </a:cxnLst>
+            <a:rect l="0" t="0" r="r" b="b"/>
+            <a:pathLst>
+              <a:path w="1152" h="1056">
+                <a:moveTo>
+                  <a:pt x="576" y="288"/>
+                </a:moveTo>
+                <a:cubicBezTo>
+                  <a:pt x="682" y="288"/>
+                  <a:pt x="768" y="374"/>
+                  <a:pt x="768" y="480"/>
+                </a:cubicBezTo>
+                <a:cubicBezTo>
+                  <a:pt x="768" y="672"/>
+                  <a:pt x="768" y="672"/>
+                  <a:pt x="768" y="672"/>
+                </a:cubicBezTo>
+                <a:cubicBezTo>
+                  <a:pt x="576" y="480"/>
+                  <a:pt x="576" y="480"/>
+                  <a:pt x="576" y="480"/>
+                </a:cubicBezTo>
+                <a:cubicBezTo>
+                  <a:pt x="384" y="672"/>
+                  <a:pt x="384" y="672"/>
+                  <a:pt x="384" y="672"/>
+                </a:cubicBezTo>
+                <a:cubicBezTo>
+                  <a:pt x="384" y="480"/>
+                  <a:pt x="384" y="480"/>
+                  <a:pt x="384" y="480"/>
+                </a:cubicBezTo>
+                <a:cubicBezTo>
+                  <a:pt x="384" y="374"/>
+                  <a:pt x="470" y="288"/>
+                  <a:pt x="576" y="288"/>
+                </a:cubicBezTo>
+                <a:close/>
+                <a:moveTo>
+                  <a:pt x="720" y="144"/>
+                </a:moveTo>
+                <a:cubicBezTo>
+                  <a:pt x="720" y="64"/>
+                  <a:pt x="656" y="0"/>
+                  <a:pt x="576" y="0"/>
+                </a:cubicBezTo>
+                <a:cubicBezTo>
+                  <a:pt x="496" y="0"/>
+                  <a:pt x="432" y="64"/>
+                  <a:pt x="432" y="144"/>
+                </a:cubicBezTo>
+                <a:cubicBezTo>
+                  <a:pt x="432" y="224"/>
+                  <a:pt x="496" y="288"/>
+                  <a:pt x="576" y="288"/>
+                </a:cubicBezTo>
+                <a:cubicBezTo>
+                  <a:pt x="656" y="288"/>
+                  <a:pt x="720" y="224"/>
+                  <a:pt x="720" y="144"/>
+                </a:cubicBezTo>
+                <a:close/>
+                <a:moveTo>
+                  <a:pt x="336" y="528"/>
+                </a:moveTo>
+                <a:cubicBezTo>
+                  <a:pt x="336" y="448"/>
+                  <a:pt x="272" y="384"/>
+                  <a:pt x="192" y="384"/>
+                </a:cubicBezTo>
+                <a:cubicBezTo>
+                  <a:pt x="112" y="384"/>
+                  <a:pt x="48" y="448"/>
+                  <a:pt x="48" y="528"/>
+                </a:cubicBezTo>
+                <a:cubicBezTo>
+                  <a:pt x="48" y="608"/>
+                  <a:pt x="112" y="672"/>
+                  <a:pt x="192" y="672"/>
+                </a:cubicBezTo>
+                <a:cubicBezTo>
+                  <a:pt x="272" y="672"/>
+                  <a:pt x="336" y="608"/>
+                  <a:pt x="336" y="528"/>
+                </a:cubicBezTo>
+                <a:close/>
+                <a:moveTo>
+                  <a:pt x="328" y="728"/>
+                </a:moveTo>
+                <a:cubicBezTo>
+                  <a:pt x="293" y="693"/>
+                  <a:pt x="245" y="672"/>
+                  <a:pt x="192" y="672"/>
+                </a:cubicBezTo>
+                <a:cubicBezTo>
+                  <a:pt x="86" y="672"/>
+                  <a:pt x="0" y="758"/>
+                  <a:pt x="0" y="864"/>
+                </a:cubicBezTo>
+                <a:cubicBezTo>
+                  <a:pt x="0" y="1056"/>
+                  <a:pt x="0" y="1056"/>
+                  <a:pt x="0" y="1056"/>
+                </a:cubicBezTo>
+                <a:cubicBezTo>
+                  <a:pt x="384" y="1056"/>
+                  <a:pt x="384" y="1056"/>
+                  <a:pt x="384" y="1056"/>
+                </a:cubicBezTo>
+                <a:cubicBezTo>
+                  <a:pt x="384" y="864"/>
+                  <a:pt x="384" y="864"/>
+                  <a:pt x="384" y="864"/>
+                </a:cubicBezTo>
+                <a:cubicBezTo>
+                  <a:pt x="192" y="864"/>
+                  <a:pt x="192" y="864"/>
+                  <a:pt x="192" y="864"/>
+                </a:cubicBezTo>
+                <a:lnTo>
+                  <a:pt x="328" y="728"/>
+                </a:lnTo>
+                <a:close/>
+                <a:moveTo>
+                  <a:pt x="1104" y="528"/>
+                </a:moveTo>
+                <a:cubicBezTo>
+                  <a:pt x="1104" y="448"/>
+                  <a:pt x="1040" y="384"/>
+                  <a:pt x="960" y="384"/>
+                </a:cubicBezTo>
+                <a:cubicBezTo>
+                  <a:pt x="880" y="384"/>
+                  <a:pt x="816" y="448"/>
+                  <a:pt x="816" y="528"/>
+                </a:cubicBezTo>
+                <a:cubicBezTo>
+                  <a:pt x="816" y="608"/>
+                  <a:pt x="880" y="672"/>
+                  <a:pt x="960" y="672"/>
+                </a:cubicBezTo>
+                <a:cubicBezTo>
+                  <a:pt x="1040" y="672"/>
+                  <a:pt x="1104" y="608"/>
+                  <a:pt x="1104" y="528"/>
+                </a:cubicBezTo>
+                <a:close/>
+                <a:moveTo>
+                  <a:pt x="960" y="672"/>
+                </a:moveTo>
+                <a:cubicBezTo>
+                  <a:pt x="907" y="672"/>
+                  <a:pt x="859" y="693"/>
+                  <a:pt x="824" y="728"/>
+                </a:cubicBezTo>
+                <a:cubicBezTo>
+                  <a:pt x="960" y="864"/>
+                  <a:pt x="960" y="864"/>
+                  <a:pt x="960" y="864"/>
+                </a:cubicBezTo>
+                <a:cubicBezTo>
+                  <a:pt x="768" y="864"/>
+                  <a:pt x="768" y="864"/>
+                  <a:pt x="768" y="864"/>
+                </a:cubicBezTo>
+                <a:cubicBezTo>
+                  <a:pt x="768" y="1056"/>
+                  <a:pt x="768" y="1056"/>
+                  <a:pt x="768" y="1056"/>
+                </a:cubicBezTo>
+                <a:cubicBezTo>
+                  <a:pt x="1152" y="1056"/>
+                  <a:pt x="1152" y="1056"/>
+                  <a:pt x="1152" y="1056"/>
+                </a:cubicBezTo>
+                <a:cubicBezTo>
+                  <a:pt x="1152" y="864"/>
+                  <a:pt x="1152" y="864"/>
+                  <a:pt x="1152" y="864"/>
+                </a:cubicBezTo>
+                <a:cubicBezTo>
+                  <a:pt x="1152" y="758"/>
+                  <a:pt x="1066" y="672"/>
+                  <a:pt x="960" y="672"/>
+                </a:cubicBezTo>
+                <a:close/>
+              </a:path>
+            </a:pathLst>
+          </a:custGeom>
+          <a:solidFill>
+            <a:srgbClr val="000000"/>
+          </a:solidFill>
+          <a:ln>
+            <a:noFill/>
+          </a:ln>
+          <a:extLst>
+            <a:ext uri="{91240B29-F687-4F45-9708-019B960494DF}">
+              <a14:hiddenLine xmlns:a14="http://schemas.microsoft.com/office/drawing/2010/main" w="9525">
+                <a:solidFill>
+                  <a:srgbClr val="000000"/>
+                </a:solidFill>
+                <a:round/>
+                <a:headEnd/>
+                <a:tailEnd/>
+              </a14:hiddenLine>
+            </a:ext>
+          </a:extLst>
+        </p:spPr>
+        <p:txBody>
+          <a:bodyPr vert="horz" wrap="square" lIns="91440" tIns="45720" rIns="91440" bIns="45720" numCol="1" anchor="t" anchorCtr="0" compatLnSpc="1">
+            <a:prstTxWarp prst="textNoShape">
+              <a:avLst/>
+            </a:prstTxWarp>
+          </a:bodyPr>
+          <a:lstStyle/>
+          <a:p>
+            <a:endParaRPr lang="en-GB"/>
           </a:p>
         </p:txBody>
       </p:sp>
@@ -23210,146 +24320,6 @@
 </p:sld>
 </file>
 
-<file path=ppt/slides/slide12.xml><?xml version="1.0" encoding="utf-8"?>
-<p:sld xmlns:a="http://schemas.openxmlformats.org/drawingml/2006/main" xmlns:r="http://schemas.openxmlformats.org/officeDocument/2006/relationships" xmlns:p="http://schemas.openxmlformats.org/presentationml/2006/main">
-  <p:cSld>
-    <p:spTree>
-      <p:nvGrpSpPr>
-        <p:cNvPr id="1" name=""/>
-        <p:cNvGrpSpPr/>
-        <p:nvPr/>
-      </p:nvGrpSpPr>
-      <p:grpSpPr>
-        <a:xfrm>
-          <a:off x="0" y="0"/>
-          <a:ext cx="0" cy="0"/>
-          <a:chOff x="0" y="0"/>
-          <a:chExt cx="0" cy="0"/>
-        </a:xfrm>
-      </p:grpSpPr>
-      <p:sp>
-        <p:nvSpPr>
-          <p:cNvPr id="2" name="Title 1">
-            <a:extLst>
-              <a:ext uri="{FF2B5EF4-FFF2-40B4-BE49-F238E27FC236}">
-                <a16:creationId xmlns:a16="http://schemas.microsoft.com/office/drawing/2014/main" id="{8FA920DF-2AE9-4AA6-95F0-D8531DD313B0}"/>
-              </a:ext>
-            </a:extLst>
-          </p:cNvPr>
-          <p:cNvSpPr>
-            <a:spLocks noGrp="1"/>
-          </p:cNvSpPr>
-          <p:nvPr>
-            <p:ph type="title"/>
-          </p:nvPr>
-        </p:nvSpPr>
-        <p:spPr/>
-        <p:txBody>
-          <a:bodyPr/>
-          <a:lstStyle/>
-          <a:p>
-            <a:r>
-              <a:rPr lang="en-GB" dirty="0"/>
-              <a:t>Approach</a:t>
-            </a:r>
-          </a:p>
-        </p:txBody>
-      </p:sp>
-      <p:sp>
-        <p:nvSpPr>
-          <p:cNvPr id="3" name="Content Placeholder 2">
-            <a:extLst>
-              <a:ext uri="{FF2B5EF4-FFF2-40B4-BE49-F238E27FC236}">
-                <a16:creationId xmlns:a16="http://schemas.microsoft.com/office/drawing/2014/main" id="{9416035A-CDE5-4B68-991C-B7462A8CEED9}"/>
-              </a:ext>
-            </a:extLst>
-          </p:cNvPr>
-          <p:cNvSpPr>
-            <a:spLocks noGrp="1"/>
-          </p:cNvSpPr>
-          <p:nvPr>
-            <p:ph idx="1"/>
-          </p:nvPr>
-        </p:nvSpPr>
-        <p:spPr/>
-        <p:txBody>
-          <a:bodyPr/>
-          <a:lstStyle/>
-          <a:p>
-            <a:r>
-              <a:rPr lang="en-GB" dirty="0"/>
-              <a:t>Ad-hoc queries upon page requests?</a:t>
-            </a:r>
-          </a:p>
-          <a:p>
-            <a:pPr lvl="1"/>
-            <a:r>
-              <a:rPr lang="en-GB" dirty="0"/>
-              <a:t>How to manage logic of pages and potential updates?</a:t>
-            </a:r>
-          </a:p>
-          <a:p>
-            <a:pPr lvl="2"/>
-            <a:r>
-              <a:rPr lang="en-GB" dirty="0"/>
-              <a:t>i.e. which tags are associated to which events?</a:t>
-            </a:r>
-          </a:p>
-          <a:p>
-            <a:r>
-              <a:rPr lang="en-GB" dirty="0"/>
-              <a:t>Back-end process to create dedicated graph model of badges?</a:t>
-            </a:r>
-          </a:p>
-          <a:p>
-            <a:pPr lvl="1"/>
-            <a:r>
-              <a:rPr lang="en-GB" dirty="0"/>
-              <a:t>Advantage – </a:t>
-            </a:r>
-            <a:r>
-              <a:rPr lang="en-GB" dirty="0" err="1"/>
-              <a:t>leaderboard</a:t>
-            </a:r>
-            <a:r>
-              <a:rPr lang="en-GB" dirty="0"/>
-              <a:t> and challenge pages faster to create</a:t>
-            </a:r>
-          </a:p>
-          <a:p>
-            <a:pPr lvl="1"/>
-            <a:r>
-              <a:rPr lang="en-GB" dirty="0"/>
-              <a:t>Disadvantage – data may be x hours out of date.</a:t>
-            </a:r>
-          </a:p>
-        </p:txBody>
-      </p:sp>
-    </p:spTree>
-    <p:extLst>
-      <p:ext uri="{BB962C8B-B14F-4D97-AF65-F5344CB8AC3E}">
-        <p14:creationId xmlns:p14="http://schemas.microsoft.com/office/powerpoint/2010/main" val="3892881487"/>
-      </p:ext>
-    </p:extLst>
-  </p:cSld>
-  <p:clrMapOvr>
-    <a:masterClrMapping/>
-  </p:clrMapOvr>
-  <mc:AlternateContent xmlns:mc="http://schemas.openxmlformats.org/markup-compatibility/2006" xmlns:p14="http://schemas.microsoft.com/office/powerpoint/2010/main">
-    <mc:Choice Requires="p14">
-      <p:transition spd="med" p14:dur="700">
-        <p:fade/>
-      </p:transition>
-    </mc:Choice>
-    <mc:Fallback xmlns="">
-      <p:transition spd="med">
-        <p:fade/>
-      </p:transition>
-    </mc:Fallback>
-  </mc:AlternateContent>
-</p:sld>
-</file>
-
 <file path=ppt/slides/slide2.xml><?xml version="1.0" encoding="utf-8"?>
 <p:sld xmlns:a="http://schemas.openxmlformats.org/drawingml/2006/main" xmlns:r="http://schemas.openxmlformats.org/officeDocument/2006/relationships" xmlns:p="http://schemas.openxmlformats.org/presentationml/2006/main">
   <p:cSld>
@@ -23948,6 +24918,93 @@
             <a:r>
               <a:rPr lang="en-GB" dirty="0"/>
               <a:t>Agendas</a:t>
+            </a:r>
+          </a:p>
+        </p:txBody>
+      </p:sp>
+      <p:sp>
+        <p:nvSpPr>
+          <p:cNvPr id="18" name="Rectangle 17">
+            <a:extLst>
+              <a:ext uri="{FF2B5EF4-FFF2-40B4-BE49-F238E27FC236}">
+                <a16:creationId xmlns:a16="http://schemas.microsoft.com/office/drawing/2014/main" id="{1B3CC482-B442-4755-9B10-45781B85574D}"/>
+              </a:ext>
+            </a:extLst>
+          </p:cNvPr>
+          <p:cNvSpPr/>
+          <p:nvPr/>
+        </p:nvSpPr>
+        <p:spPr>
+          <a:xfrm rot="2700000">
+            <a:off x="6948954" y="4492682"/>
+            <a:ext cx="943680" cy="943680"/>
+          </a:xfrm>
+          <a:prstGeom prst="rect">
+            <a:avLst/>
+          </a:prstGeom>
+          <a:solidFill>
+            <a:schemeClr val="bg1"/>
+          </a:solidFill>
+          <a:ln w="127000" cmpd="thinThick">
+            <a:solidFill>
+              <a:schemeClr val="tx1"/>
+            </a:solidFill>
+          </a:ln>
+        </p:spPr>
+        <p:style>
+          <a:lnRef idx="0">
+            <a:schemeClr val="accent1"/>
+          </a:lnRef>
+          <a:fillRef idx="1">
+            <a:schemeClr val="accent1"/>
+          </a:fillRef>
+          <a:effectRef idx="0">
+            <a:schemeClr val="accent1"/>
+          </a:effectRef>
+          <a:fontRef idx="minor">
+            <a:schemeClr val="lt1"/>
+          </a:fontRef>
+        </p:style>
+        <p:txBody>
+          <a:bodyPr rtlCol="0" anchor="ctr"/>
+          <a:lstStyle/>
+          <a:p>
+            <a:pPr algn="ctr"/>
+            <a:endParaRPr lang="en-GB"/>
+          </a:p>
+        </p:txBody>
+      </p:sp>
+      <p:sp>
+        <p:nvSpPr>
+          <p:cNvPr id="20" name="TextBox 19">
+            <a:extLst>
+              <a:ext uri="{FF2B5EF4-FFF2-40B4-BE49-F238E27FC236}">
+                <a16:creationId xmlns:a16="http://schemas.microsoft.com/office/drawing/2014/main" id="{810A3ED6-73F8-4F69-8557-8D022E2932D1}"/>
+              </a:ext>
+            </a:extLst>
+          </p:cNvPr>
+          <p:cNvSpPr txBox="1"/>
+          <p:nvPr/>
+        </p:nvSpPr>
+        <p:spPr>
+          <a:xfrm>
+            <a:off x="6411683" y="5869708"/>
+            <a:ext cx="2023054" cy="535531"/>
+          </a:xfrm>
+          <a:prstGeom prst="rect">
+            <a:avLst/>
+          </a:prstGeom>
+          <a:noFill/>
+        </p:spPr>
+        <p:txBody>
+          <a:bodyPr wrap="none" rtlCol="0">
+            <a:spAutoFit/>
+          </a:bodyPr>
+          <a:lstStyle/>
+          <a:p>
+            <a:r>
+              <a:rPr lang="en-GB" dirty="0"/>
+              <a:t>Workspace</a:t>
             </a:r>
           </a:p>
         </p:txBody>
@@ -24317,14 +25374,14 @@
           <p:nvPr>
             <p:extLst>
               <p:ext uri="{D42A27DB-BD31-4B8C-83A1-F6EECF244321}">
-                <p14:modId xmlns:p14="http://schemas.microsoft.com/office/powerpoint/2010/main" val="3974456730"/>
+                <p14:modId xmlns:p14="http://schemas.microsoft.com/office/powerpoint/2010/main" val="163411881"/>
               </p:ext>
             </p:extLst>
           </p:nvPr>
         </p:nvGraphicFramePr>
         <p:xfrm>
           <a:off x="754046" y="2121208"/>
-          <a:ext cx="13059640" cy="2956560"/>
+          <a:ext cx="13059640" cy="2585720"/>
         </p:xfrm>
         <a:graphic>
           <a:graphicData uri="http://schemas.openxmlformats.org/drawingml/2006/table">
@@ -25062,171 +26119,6 @@
                             <a:schemeClr val="tx1"/>
                           </a:solidFill>
                         </a:rPr>
-                        <a:t>Industrialist </a:t>
-                      </a:r>
-                    </a:p>
-                  </a:txBody>
-                  <a:tcPr>
-                    <a:lnL w="12700" cap="flat" cmpd="sng" algn="ctr">
-                      <a:solidFill>
-                        <a:schemeClr val="tx1"/>
-                      </a:solidFill>
-                      <a:prstDash val="solid"/>
-                      <a:round/>
-                      <a:headEnd type="none" w="med" len="med"/>
-                      <a:tailEnd type="none" w="med" len="med"/>
-                    </a:lnL>
-                    <a:lnR w="12700" cap="flat" cmpd="sng" algn="ctr">
-                      <a:solidFill>
-                        <a:schemeClr val="tx1"/>
-                      </a:solidFill>
-                      <a:prstDash val="solid"/>
-                      <a:round/>
-                      <a:headEnd type="none" w="med" len="med"/>
-                      <a:tailEnd type="none" w="med" len="med"/>
-                    </a:lnR>
-                    <a:lnT w="12700" cap="flat" cmpd="sng" algn="ctr">
-                      <a:solidFill>
-                        <a:schemeClr val="tx1"/>
-                      </a:solidFill>
-                      <a:prstDash val="solid"/>
-                      <a:round/>
-                      <a:headEnd type="none" w="med" len="med"/>
-                      <a:tailEnd type="none" w="med" len="med"/>
-                    </a:lnT>
-                    <a:lnB w="12700" cap="flat" cmpd="sng" algn="ctr">
-                      <a:solidFill>
-                        <a:schemeClr val="tx1"/>
-                      </a:solidFill>
-                      <a:prstDash val="solid"/>
-                      <a:round/>
-                      <a:headEnd type="none" w="med" len="med"/>
-                      <a:tailEnd type="none" w="med" len="med"/>
-                    </a:lnB>
-                    <a:lnTlToBr w="12700" cmpd="sng">
-                      <a:noFill/>
-                      <a:prstDash val="solid"/>
-                    </a:lnTlToBr>
-                    <a:lnBlToTr w="12700" cmpd="sng">
-                      <a:noFill/>
-                      <a:prstDash val="solid"/>
-                    </a:lnBlToTr>
-                  </a:tcPr>
-                </a:tc>
-                <a:tc>
-                  <a:txBody>
-                    <a:bodyPr/>
-                    <a:lstStyle/>
-                    <a:p>
-                      <a:pPr marL="0" marR="0" lvl="0" indent="0" algn="l" defTabSz="1463040" rtl="0" eaLnBrk="1" fontAlgn="auto" latinLnBrk="0" hangingPunct="1">
-                        <a:lnSpc>
-                          <a:spcPct val="100000"/>
-                        </a:lnSpc>
-                        <a:spcBef>
-                          <a:spcPts val="0"/>
-                        </a:spcBef>
-                        <a:spcAft>
-                          <a:spcPts val="0"/>
-                        </a:spcAft>
-                        <a:buClrTx/>
-                        <a:buSzTx/>
-                        <a:buFontTx/>
-                        <a:buNone/>
-                        <a:tabLst/>
-                        <a:defRPr/>
-                      </a:pPr>
-                      <a:r>
-                        <a:rPr lang="en-US" sz="1800" dirty="0">
-                          <a:solidFill>
-                            <a:schemeClr val="tx1"/>
-                          </a:solidFill>
-                        </a:rPr>
-                        <a:t>Submit your first solution for a named industry</a:t>
-                      </a:r>
-                    </a:p>
-                  </a:txBody>
-                  <a:tcPr>
-                    <a:lnL w="12700" cap="flat" cmpd="sng" algn="ctr">
-                      <a:solidFill>
-                        <a:schemeClr val="tx1"/>
-                      </a:solidFill>
-                      <a:prstDash val="solid"/>
-                      <a:round/>
-                      <a:headEnd type="none" w="med" len="med"/>
-                      <a:tailEnd type="none" w="med" len="med"/>
-                    </a:lnL>
-                    <a:lnR w="12700" cap="flat" cmpd="sng" algn="ctr">
-                      <a:solidFill>
-                        <a:schemeClr val="tx1"/>
-                      </a:solidFill>
-                      <a:prstDash val="solid"/>
-                      <a:round/>
-                      <a:headEnd type="none" w="med" len="med"/>
-                      <a:tailEnd type="none" w="med" len="med"/>
-                    </a:lnR>
-                    <a:lnT w="12700" cap="flat" cmpd="sng" algn="ctr">
-                      <a:solidFill>
-                        <a:schemeClr val="tx1"/>
-                      </a:solidFill>
-                      <a:prstDash val="solid"/>
-                      <a:round/>
-                      <a:headEnd type="none" w="med" len="med"/>
-                      <a:tailEnd type="none" w="med" len="med"/>
-                    </a:lnT>
-                    <a:lnB w="12700" cap="flat" cmpd="sng" algn="ctr">
-                      <a:solidFill>
-                        <a:schemeClr val="tx1"/>
-                      </a:solidFill>
-                      <a:prstDash val="solid"/>
-                      <a:round/>
-                      <a:headEnd type="none" w="med" len="med"/>
-                      <a:tailEnd type="none" w="med" len="med"/>
-                    </a:lnB>
-                    <a:lnTlToBr w="12700" cmpd="sng">
-                      <a:noFill/>
-                      <a:prstDash val="solid"/>
-                    </a:lnTlToBr>
-                    <a:lnBlToTr w="12700" cmpd="sng">
-                      <a:noFill/>
-                      <a:prstDash val="solid"/>
-                    </a:lnBlToTr>
-                  </a:tcPr>
-                </a:tc>
-                <a:extLst>
-                  <a:ext uri="{0D108BD9-81ED-4DB2-BD59-A6C34878D82A}">
-                    <a16:rowId xmlns:a16="http://schemas.microsoft.com/office/drawing/2014/main" val="1098356587"/>
-                  </a:ext>
-                </a:extLst>
-              </a:tr>
-              <a:tr h="370840">
-                <a:tc>
-                  <a:txBody>
-                    <a:bodyPr/>
-                    <a:lstStyle/>
-                    <a:p>
-                      <a:pPr marL="0" marR="0" lvl="0" indent="0" algn="l" defTabSz="1463040" rtl="0" eaLnBrk="1" fontAlgn="auto" latinLnBrk="0" hangingPunct="1">
-                        <a:lnSpc>
-                          <a:spcPct val="100000"/>
-                        </a:lnSpc>
-                        <a:spcBef>
-                          <a:spcPts val="0"/>
-                        </a:spcBef>
-                        <a:spcAft>
-                          <a:spcPts val="0"/>
-                        </a:spcAft>
-                        <a:buClrTx/>
-                        <a:buSzTx/>
-                        <a:buFontTx/>
-                        <a:buNone/>
-                        <a:tabLst/>
-                        <a:defRPr/>
-                      </a:pPr>
-                      <a:r>
-                        <a:rPr lang="en-US" sz="1800" b="1" dirty="0">
-                          <a:solidFill>
-                            <a:schemeClr val="tx1"/>
-                          </a:solidFill>
-                        </a:rPr>
                         <a:t>Keep it in the family</a:t>
                       </a:r>
                     </a:p>
@@ -34858,7 +35750,7 @@
           <p:nvPr>
             <p:extLst>
               <p:ext uri="{D42A27DB-BD31-4B8C-83A1-F6EECF244321}">
-                <p14:modId xmlns:p14="http://schemas.microsoft.com/office/powerpoint/2010/main" val="1883877901"/>
+                <p14:modId xmlns:p14="http://schemas.microsoft.com/office/powerpoint/2010/main" val="2803665666"/>
               </p:ext>
             </p:extLst>
           </p:nvPr>
@@ -35520,7 +36412,7 @@
                             <a:schemeClr val="tx1"/>
                           </a:solidFill>
                         </a:rPr>
-                        <a:t>Innovator</a:t>
+                        <a:t>Technologist</a:t>
                       </a:r>
                     </a:p>
                   </a:txBody>
@@ -35599,7 +36491,7 @@
                             <a:schemeClr val="tx1"/>
                           </a:solidFill>
                         </a:rPr>
-                        <a:t>Submit a solution which references an R&amp;D, Emerging or Leading Edge trend</a:t>
+                        <a:t>Submit a technology Trend</a:t>
                       </a:r>
                     </a:p>
                   </a:txBody>
@@ -35652,7 +36544,7 @@
                 </a:tc>
                 <a:extLst>
                   <a:ext uri="{0D108BD9-81ED-4DB2-BD59-A6C34878D82A}">
-                    <a16:rowId xmlns:a16="http://schemas.microsoft.com/office/drawing/2014/main" val="895996639"/>
+                    <a16:rowId xmlns:a16="http://schemas.microsoft.com/office/drawing/2014/main" val="71999489"/>
                   </a:ext>
                 </a:extLst>
               </a:tr>
@@ -35717,370 +36609,6 @@
           </a:p>
         </p:txBody>
       </p:sp>
-      <p:grpSp>
-        <p:nvGrpSpPr>
-          <p:cNvPr id="3" name="Group 2">
-            <a:extLst>
-              <a:ext uri="{FF2B5EF4-FFF2-40B4-BE49-F238E27FC236}">
-                <a16:creationId xmlns:a16="http://schemas.microsoft.com/office/drawing/2014/main" id="{F2A8A224-B365-4AE6-87C7-37C34BCEFBBB}"/>
-              </a:ext>
-            </a:extLst>
-          </p:cNvPr>
-          <p:cNvGrpSpPr/>
-          <p:nvPr/>
-        </p:nvGrpSpPr>
-        <p:grpSpPr>
-          <a:xfrm>
-            <a:off x="12273130" y="5194918"/>
-            <a:ext cx="1501005" cy="1818864"/>
-            <a:chOff x="12273130" y="5194918"/>
-            <a:chExt cx="1501005" cy="1818864"/>
-          </a:xfrm>
-        </p:grpSpPr>
-        <p:sp>
-          <p:nvSpPr>
-            <p:cNvPr id="17" name="Oval 16">
-              <a:extLst>
-                <a:ext uri="{FF2B5EF4-FFF2-40B4-BE49-F238E27FC236}">
-                  <a16:creationId xmlns:a16="http://schemas.microsoft.com/office/drawing/2014/main" id="{44D4ABE0-9674-4A43-B3DB-F20EB87A3230}"/>
-                </a:ext>
-              </a:extLst>
-            </p:cNvPr>
-            <p:cNvSpPr/>
-            <p:nvPr/>
-          </p:nvSpPr>
-          <p:spPr>
-            <a:xfrm>
-              <a:off x="12307208" y="5194918"/>
-              <a:ext cx="1432851" cy="1432851"/>
-            </a:xfrm>
-            <a:prstGeom prst="ellipse">
-              <a:avLst/>
-            </a:prstGeom>
-            <a:solidFill>
-              <a:schemeClr val="bg1"/>
-            </a:solidFill>
-            <a:ln w="127000" cmpd="thinThick">
-              <a:solidFill>
-                <a:schemeClr val="tx1"/>
-              </a:solidFill>
-            </a:ln>
-          </p:spPr>
-          <p:style>
-            <a:lnRef idx="0">
-              <a:schemeClr val="accent1"/>
-            </a:lnRef>
-            <a:fillRef idx="1">
-              <a:schemeClr val="accent1"/>
-            </a:fillRef>
-            <a:effectRef idx="0">
-              <a:schemeClr val="accent1"/>
-            </a:effectRef>
-            <a:fontRef idx="minor">
-              <a:schemeClr val="lt1"/>
-            </a:fontRef>
-          </p:style>
-          <p:txBody>
-            <a:bodyPr rot="0" spcFirstLastPara="0" vertOverflow="overflow" horzOverflow="overflow" vert="horz" wrap="square" lIns="91440" tIns="45720" rIns="91440" bIns="45720" numCol="1" spcCol="0" rtlCol="0" fromWordArt="0" anchor="ctr" anchorCtr="0" forceAA="0" compatLnSpc="1">
-              <a:prstTxWarp prst="textNoShape">
-                <a:avLst/>
-              </a:prstTxWarp>
-              <a:noAutofit/>
-            </a:bodyPr>
-            <a:lstStyle/>
-            <a:p>
-              <a:pPr algn="ctr"/>
-              <a:endParaRPr lang="en-GB"/>
-            </a:p>
-          </p:txBody>
-        </p:sp>
-        <p:sp>
-          <p:nvSpPr>
-            <p:cNvPr id="18" name="Freeform 65">
-              <a:extLst>
-                <a:ext uri="{FF2B5EF4-FFF2-40B4-BE49-F238E27FC236}">
-                  <a16:creationId xmlns:a16="http://schemas.microsoft.com/office/drawing/2014/main" id="{2CC9D927-1584-4284-A73E-177ED17F3386}"/>
-                </a:ext>
-              </a:extLst>
-            </p:cNvPr>
-            <p:cNvSpPr>
-              <a:spLocks noChangeAspect="1" noEditPoints="1"/>
-            </p:cNvSpPr>
-            <p:nvPr/>
-          </p:nvSpPr>
-          <p:spPr bwMode="auto">
-            <a:xfrm>
-              <a:off x="12680396" y="5453973"/>
-              <a:ext cx="686474" cy="914740"/>
-            </a:xfrm>
-            <a:custGeom>
-              <a:avLst/>
-              <a:gdLst>
-                <a:gd name="T0" fmla="*/ 432 w 864"/>
-                <a:gd name="T1" fmla="*/ 0 h 1152"/>
-                <a:gd name="T2" fmla="*/ 0 w 864"/>
-                <a:gd name="T3" fmla="*/ 432 h 1152"/>
-                <a:gd name="T4" fmla="*/ 240 w 864"/>
-                <a:gd name="T5" fmla="*/ 819 h 1152"/>
-                <a:gd name="T6" fmla="*/ 240 w 864"/>
-                <a:gd name="T7" fmla="*/ 672 h 1152"/>
-                <a:gd name="T8" fmla="*/ 624 w 864"/>
-                <a:gd name="T9" fmla="*/ 672 h 1152"/>
-                <a:gd name="T10" fmla="*/ 624 w 864"/>
-                <a:gd name="T11" fmla="*/ 819 h 1152"/>
-                <a:gd name="T12" fmla="*/ 864 w 864"/>
-                <a:gd name="T13" fmla="*/ 432 h 1152"/>
-                <a:gd name="T14" fmla="*/ 432 w 864"/>
-                <a:gd name="T15" fmla="*/ 0 h 1152"/>
-                <a:gd name="T16" fmla="*/ 432 w 864"/>
-                <a:gd name="T17" fmla="*/ 528 h 1152"/>
-                <a:gd name="T18" fmla="*/ 336 w 864"/>
-                <a:gd name="T19" fmla="*/ 336 h 1152"/>
-                <a:gd name="T20" fmla="*/ 528 w 864"/>
-                <a:gd name="T21" fmla="*/ 336 h 1152"/>
-                <a:gd name="T22" fmla="*/ 432 w 864"/>
-                <a:gd name="T23" fmla="*/ 528 h 1152"/>
-                <a:gd name="T24" fmla="*/ 624 w 864"/>
-                <a:gd name="T25" fmla="*/ 819 h 1152"/>
-                <a:gd name="T26" fmla="*/ 624 w 864"/>
-                <a:gd name="T27" fmla="*/ 960 h 1152"/>
-                <a:gd name="T28" fmla="*/ 432 w 864"/>
-                <a:gd name="T29" fmla="*/ 1152 h 1152"/>
-                <a:gd name="T30" fmla="*/ 240 w 864"/>
-                <a:gd name="T31" fmla="*/ 960 h 1152"/>
-                <a:gd name="T32" fmla="*/ 240 w 864"/>
-                <a:gd name="T33" fmla="*/ 819 h 1152"/>
-                <a:gd name="T34" fmla="*/ 432 w 864"/>
-                <a:gd name="T35" fmla="*/ 864 h 1152"/>
-                <a:gd name="T36" fmla="*/ 624 w 864"/>
-                <a:gd name="T37" fmla="*/ 819 h 1152"/>
-              </a:gdLst>
-              <a:ahLst/>
-              <a:cxnLst>
-                <a:cxn ang="0">
-                  <a:pos x="T0" y="T1"/>
-                </a:cxn>
-                <a:cxn ang="0">
-                  <a:pos x="T2" y="T3"/>
-                </a:cxn>
-                <a:cxn ang="0">
-                  <a:pos x="T4" y="T5"/>
-                </a:cxn>
-                <a:cxn ang="0">
-                  <a:pos x="T6" y="T7"/>
-                </a:cxn>
-                <a:cxn ang="0">
-                  <a:pos x="T8" y="T9"/>
-                </a:cxn>
-                <a:cxn ang="0">
-                  <a:pos x="T10" y="T11"/>
-                </a:cxn>
-                <a:cxn ang="0">
-                  <a:pos x="T12" y="T13"/>
-                </a:cxn>
-                <a:cxn ang="0">
-                  <a:pos x="T14" y="T15"/>
-                </a:cxn>
-                <a:cxn ang="0">
-                  <a:pos x="T16" y="T17"/>
-                </a:cxn>
-                <a:cxn ang="0">
-                  <a:pos x="T18" y="T19"/>
-                </a:cxn>
-                <a:cxn ang="0">
-                  <a:pos x="T20" y="T21"/>
-                </a:cxn>
-                <a:cxn ang="0">
-                  <a:pos x="T22" y="T23"/>
-                </a:cxn>
-                <a:cxn ang="0">
-                  <a:pos x="T24" y="T25"/>
-                </a:cxn>
-                <a:cxn ang="0">
-                  <a:pos x="T26" y="T27"/>
-                </a:cxn>
-                <a:cxn ang="0">
-                  <a:pos x="T28" y="T29"/>
-                </a:cxn>
-                <a:cxn ang="0">
-                  <a:pos x="T30" y="T31"/>
-                </a:cxn>
-                <a:cxn ang="0">
-                  <a:pos x="T32" y="T33"/>
-                </a:cxn>
-                <a:cxn ang="0">
-                  <a:pos x="T34" y="T35"/>
-                </a:cxn>
-                <a:cxn ang="0">
-                  <a:pos x="T36" y="T37"/>
-                </a:cxn>
-              </a:cxnLst>
-              <a:rect l="0" t="0" r="r" b="b"/>
-              <a:pathLst>
-                <a:path w="864" h="1152">
-                  <a:moveTo>
-                    <a:pt x="432" y="0"/>
-                  </a:moveTo>
-                  <a:cubicBezTo>
-                    <a:pt x="193" y="0"/>
-                    <a:pt x="0" y="193"/>
-                    <a:pt x="0" y="432"/>
-                  </a:cubicBezTo>
-                  <a:cubicBezTo>
-                    <a:pt x="0" y="602"/>
-                    <a:pt x="98" y="748"/>
-                    <a:pt x="240" y="819"/>
-                  </a:cubicBezTo>
-                  <a:cubicBezTo>
-                    <a:pt x="240" y="672"/>
-                    <a:pt x="240" y="672"/>
-                    <a:pt x="240" y="672"/>
-                  </a:cubicBezTo>
-                  <a:cubicBezTo>
-                    <a:pt x="624" y="672"/>
-                    <a:pt x="624" y="672"/>
-                    <a:pt x="624" y="672"/>
-                  </a:cubicBezTo>
-                  <a:cubicBezTo>
-                    <a:pt x="624" y="819"/>
-                    <a:pt x="624" y="819"/>
-                    <a:pt x="624" y="819"/>
-                  </a:cubicBezTo>
-                  <a:cubicBezTo>
-                    <a:pt x="766" y="748"/>
-                    <a:pt x="864" y="602"/>
-                    <a:pt x="864" y="432"/>
-                  </a:cubicBezTo>
-                  <a:cubicBezTo>
-                    <a:pt x="864" y="193"/>
-                    <a:pt x="671" y="0"/>
-                    <a:pt x="432" y="0"/>
-                  </a:cubicBezTo>
-                  <a:close/>
-                  <a:moveTo>
-                    <a:pt x="432" y="528"/>
-                  </a:moveTo>
-                  <a:cubicBezTo>
-                    <a:pt x="336" y="336"/>
-                    <a:pt x="336" y="336"/>
-                    <a:pt x="336" y="336"/>
-                  </a:cubicBezTo>
-                  <a:cubicBezTo>
-                    <a:pt x="528" y="336"/>
-                    <a:pt x="528" y="336"/>
-                    <a:pt x="528" y="336"/>
-                  </a:cubicBezTo>
-                  <a:lnTo>
-                    <a:pt x="432" y="528"/>
-                  </a:lnTo>
-                  <a:close/>
-                  <a:moveTo>
-                    <a:pt x="624" y="819"/>
-                  </a:moveTo>
-                  <a:cubicBezTo>
-                    <a:pt x="624" y="960"/>
-                    <a:pt x="624" y="960"/>
-                    <a:pt x="624" y="960"/>
-                  </a:cubicBezTo>
-                  <a:cubicBezTo>
-                    <a:pt x="624" y="1066"/>
-                    <a:pt x="538" y="1152"/>
-                    <a:pt x="432" y="1152"/>
-                  </a:cubicBezTo>
-                  <a:cubicBezTo>
-                    <a:pt x="326" y="1152"/>
-                    <a:pt x="240" y="1066"/>
-                    <a:pt x="240" y="960"/>
-                  </a:cubicBezTo>
-                  <a:cubicBezTo>
-                    <a:pt x="240" y="819"/>
-                    <a:pt x="240" y="819"/>
-                    <a:pt x="240" y="819"/>
-                  </a:cubicBezTo>
-                  <a:cubicBezTo>
-                    <a:pt x="298" y="848"/>
-                    <a:pt x="363" y="864"/>
-                    <a:pt x="432" y="864"/>
-                  </a:cubicBezTo>
-                  <a:cubicBezTo>
-                    <a:pt x="501" y="864"/>
-                    <a:pt x="566" y="848"/>
-                    <a:pt x="624" y="819"/>
-                  </a:cubicBezTo>
-                  <a:close/>
-                </a:path>
-              </a:pathLst>
-            </a:custGeom>
-            <a:solidFill>
-              <a:srgbClr val="000000"/>
-            </a:solidFill>
-            <a:ln>
-              <a:noFill/>
-            </a:ln>
-            <a:extLst>
-              <a:ext uri="{91240B29-F687-4F45-9708-019B960494DF}">
-                <a14:hiddenLine xmlns:a14="http://schemas.microsoft.com/office/drawing/2010/main" w="9525">
-                  <a:solidFill>
-                    <a:srgbClr val="000000"/>
-                  </a:solidFill>
-                  <a:round/>
-                  <a:headEnd/>
-                  <a:tailEnd/>
-                </a14:hiddenLine>
-              </a:ext>
-            </a:extLst>
-          </p:spPr>
-          <p:txBody>
-            <a:bodyPr vert="horz" wrap="square" lIns="91440" tIns="45720" rIns="91440" bIns="45720" numCol="1" anchor="t" anchorCtr="0" compatLnSpc="1">
-              <a:prstTxWarp prst="textNoShape">
-                <a:avLst/>
-              </a:prstTxWarp>
-            </a:bodyPr>
-            <a:lstStyle/>
-            <a:p>
-              <a:endParaRPr lang="en-GB"/>
-            </a:p>
-          </p:txBody>
-        </p:sp>
-        <p:sp>
-          <p:nvSpPr>
-            <p:cNvPr id="20" name="TextBox 19">
-              <a:extLst>
-                <a:ext uri="{FF2B5EF4-FFF2-40B4-BE49-F238E27FC236}">
-                  <a16:creationId xmlns:a16="http://schemas.microsoft.com/office/drawing/2014/main" id="{C8D4E3BE-8F55-47F6-A3A2-A2D310CB8BED}"/>
-                </a:ext>
-              </a:extLst>
-            </p:cNvPr>
-            <p:cNvSpPr txBox="1"/>
-            <p:nvPr/>
-          </p:nvSpPr>
-          <p:spPr>
-            <a:xfrm>
-              <a:off x="12273130" y="6759866"/>
-              <a:ext cx="1501005" cy="253916"/>
-            </a:xfrm>
-            <a:prstGeom prst="rect">
-              <a:avLst/>
-            </a:prstGeom>
-            <a:noFill/>
-          </p:spPr>
-          <p:txBody>
-            <a:bodyPr wrap="square" rtlCol="0">
-              <a:spAutoFit/>
-            </a:bodyPr>
-            <a:lstStyle/>
-            <a:p>
-              <a:pPr algn="ctr"/>
-              <a:r>
-                <a:rPr lang="en-GB" sz="1050" dirty="0">
-                  <a:latin typeface="GT Walsheim Pro" panose="00000500000000000000" pitchFamily="2" charset="0"/>
-                </a:rPr>
-                <a:t>Innovator</a:t>
-              </a:r>
-            </a:p>
-          </p:txBody>
-        </p:sp>
-      </p:grpSp>
       <p:sp>
         <p:nvSpPr>
           <p:cNvPr id="22" name="Freeform 5">
@@ -36426,7 +36954,7 @@
         </p:nvGrpSpPr>
         <p:grpSpPr>
           <a:xfrm>
-            <a:off x="6696678" y="5194917"/>
+            <a:off x="3210744" y="5186511"/>
             <a:ext cx="1501005" cy="1818865"/>
             <a:chOff x="6696678" y="5194917"/>
             <a:chExt cx="1501005" cy="1818865"/>
@@ -36963,6 +37491,152 @@
           </p:txBody>
         </p:sp>
       </p:grpSp>
+      <p:grpSp>
+        <p:nvGrpSpPr>
+          <p:cNvPr id="9" name="Group 8">
+            <a:extLst>
+              <a:ext uri="{FF2B5EF4-FFF2-40B4-BE49-F238E27FC236}">
+                <a16:creationId xmlns:a16="http://schemas.microsoft.com/office/drawing/2014/main" id="{F05350B0-C9F2-4A47-AD21-F5BCA2B29686}"/>
+              </a:ext>
+            </a:extLst>
+          </p:cNvPr>
+          <p:cNvGrpSpPr/>
+          <p:nvPr/>
+        </p:nvGrpSpPr>
+        <p:grpSpPr>
+          <a:xfrm>
+            <a:off x="5483523" y="5194917"/>
+            <a:ext cx="1502176" cy="1826067"/>
+            <a:chOff x="7891439" y="5115033"/>
+            <a:chExt cx="1502176" cy="1826067"/>
+          </a:xfrm>
+        </p:grpSpPr>
+        <p:sp>
+          <p:nvSpPr>
+            <p:cNvPr id="19" name="Oval 18">
+              <a:extLst>
+                <a:ext uri="{FF2B5EF4-FFF2-40B4-BE49-F238E27FC236}">
+                  <a16:creationId xmlns:a16="http://schemas.microsoft.com/office/drawing/2014/main" id="{842DB165-E6C4-49AD-AA57-260BECD2EA67}"/>
+                </a:ext>
+              </a:extLst>
+            </p:cNvPr>
+            <p:cNvSpPr/>
+            <p:nvPr/>
+          </p:nvSpPr>
+          <p:spPr>
+            <a:xfrm>
+              <a:off x="7891439" y="5115033"/>
+              <a:ext cx="1432851" cy="1432851"/>
+            </a:xfrm>
+            <a:prstGeom prst="ellipse">
+              <a:avLst/>
+            </a:prstGeom>
+            <a:solidFill>
+              <a:schemeClr val="bg1"/>
+            </a:solidFill>
+            <a:ln w="127000" cmpd="thinThick">
+              <a:solidFill>
+                <a:schemeClr val="tx1"/>
+              </a:solidFill>
+            </a:ln>
+          </p:spPr>
+          <p:style>
+            <a:lnRef idx="0">
+              <a:schemeClr val="accent1"/>
+            </a:lnRef>
+            <a:fillRef idx="1">
+              <a:schemeClr val="accent1"/>
+            </a:fillRef>
+            <a:effectRef idx="0">
+              <a:schemeClr val="accent1"/>
+            </a:effectRef>
+            <a:fontRef idx="minor">
+              <a:schemeClr val="lt1"/>
+            </a:fontRef>
+          </p:style>
+          <p:txBody>
+            <a:bodyPr rot="0" spcFirstLastPara="0" vertOverflow="overflow" horzOverflow="overflow" vert="horz" wrap="square" lIns="91440" tIns="45720" rIns="91440" bIns="45720" numCol="1" spcCol="0" rtlCol="0" fromWordArt="0" anchor="ctr" anchorCtr="0" forceAA="0" compatLnSpc="1">
+              <a:prstTxWarp prst="textNoShape">
+                <a:avLst/>
+              </a:prstTxWarp>
+              <a:noAutofit/>
+            </a:bodyPr>
+            <a:lstStyle/>
+            <a:p>
+              <a:pPr algn="ctr"/>
+              <a:endParaRPr lang="en-GB"/>
+            </a:p>
+          </p:txBody>
+        </p:sp>
+        <p:sp>
+          <p:nvSpPr>
+            <p:cNvPr id="20" name="TextBox 19">
+              <a:extLst>
+                <a:ext uri="{FF2B5EF4-FFF2-40B4-BE49-F238E27FC236}">
+                  <a16:creationId xmlns:a16="http://schemas.microsoft.com/office/drawing/2014/main" id="{D52F7C25-AA9B-4F57-9601-59FBDDC6CB9A}"/>
+                </a:ext>
+              </a:extLst>
+            </p:cNvPr>
+            <p:cNvSpPr txBox="1"/>
+            <p:nvPr/>
+          </p:nvSpPr>
+          <p:spPr>
+            <a:xfrm>
+              <a:off x="7892610" y="6687184"/>
+              <a:ext cx="1501005" cy="253916"/>
+            </a:xfrm>
+            <a:prstGeom prst="rect">
+              <a:avLst/>
+            </a:prstGeom>
+            <a:noFill/>
+          </p:spPr>
+          <p:txBody>
+            <a:bodyPr wrap="square" rtlCol="0">
+              <a:spAutoFit/>
+            </a:bodyPr>
+            <a:lstStyle/>
+            <a:p>
+              <a:pPr lvl="0" algn="ctr">
+                <a:defRPr/>
+              </a:pPr>
+              <a:r>
+                <a:rPr lang="en-US" sz="1050" dirty="0"/>
+                <a:t>Technologist</a:t>
+              </a:r>
+            </a:p>
+          </p:txBody>
+        </p:sp>
+        <p:pic>
+          <p:nvPicPr>
+            <p:cNvPr id="4" name="Picture 3">
+              <a:extLst>
+                <a:ext uri="{FF2B5EF4-FFF2-40B4-BE49-F238E27FC236}">
+                  <a16:creationId xmlns:a16="http://schemas.microsoft.com/office/drawing/2014/main" id="{0AD5BE59-AE25-4079-A980-A437936E0CFD}"/>
+                </a:ext>
+              </a:extLst>
+            </p:cNvPr>
+            <p:cNvPicPr>
+              <a:picLocks noChangeAspect="1"/>
+            </p:cNvPicPr>
+            <p:nvPr/>
+          </p:nvPicPr>
+          <p:blipFill>
+            <a:blip r:embed="rId2"/>
+            <a:stretch>
+              <a:fillRect/>
+            </a:stretch>
+          </p:blipFill>
+          <p:spPr>
+            <a:xfrm>
+              <a:off x="8186336" y="5409930"/>
+              <a:ext cx="843056" cy="843056"/>
+            </a:xfrm>
+            <a:prstGeom prst="rect">
+              <a:avLst/>
+            </a:prstGeom>
+          </p:spPr>
+        </p:pic>
+      </p:grpSp>
     </p:spTree>
     <p:extLst>
       <p:ext uri="{BB962C8B-B14F-4D97-AF65-F5344CB8AC3E}">
@@ -40211,517 +40885,6 @@
           </a:p>
         </p:txBody>
       </p:sp>
-      <p:grpSp>
-        <p:nvGrpSpPr>
-          <p:cNvPr id="4" name="Group 3">
-            <a:extLst>
-              <a:ext uri="{FF2B5EF4-FFF2-40B4-BE49-F238E27FC236}">
-                <a16:creationId xmlns:a16="http://schemas.microsoft.com/office/drawing/2014/main" id="{F6B3966D-4B1C-4AA6-9FFF-1339EB8DE467}"/>
-              </a:ext>
-            </a:extLst>
-          </p:cNvPr>
-          <p:cNvGrpSpPr/>
-          <p:nvPr/>
-        </p:nvGrpSpPr>
-        <p:grpSpPr>
-          <a:xfrm>
-            <a:off x="440362" y="1826732"/>
-            <a:ext cx="1501005" cy="1790880"/>
-            <a:chOff x="440362" y="1826732"/>
-            <a:chExt cx="1501005" cy="1790880"/>
-          </a:xfrm>
-        </p:grpSpPr>
-        <p:sp>
-          <p:nvSpPr>
-            <p:cNvPr id="30" name="Oval 29">
-              <a:extLst>
-                <a:ext uri="{FF2B5EF4-FFF2-40B4-BE49-F238E27FC236}">
-                  <a16:creationId xmlns:a16="http://schemas.microsoft.com/office/drawing/2014/main" id="{FE7A5FB8-3DA5-4D23-BB07-710A76B7C241}"/>
-                </a:ext>
-              </a:extLst>
-            </p:cNvPr>
-            <p:cNvSpPr/>
-            <p:nvPr/>
-          </p:nvSpPr>
-          <p:spPr>
-            <a:xfrm>
-              <a:off x="474440" y="1826732"/>
-              <a:ext cx="1432851" cy="1432851"/>
-            </a:xfrm>
-            <a:prstGeom prst="ellipse">
-              <a:avLst/>
-            </a:prstGeom>
-            <a:solidFill>
-              <a:schemeClr val="bg1"/>
-            </a:solidFill>
-            <a:ln w="127000" cmpd="thinThick">
-              <a:solidFill>
-                <a:schemeClr val="tx1"/>
-              </a:solidFill>
-            </a:ln>
-          </p:spPr>
-          <p:style>
-            <a:lnRef idx="0">
-              <a:schemeClr val="accent1"/>
-            </a:lnRef>
-            <a:fillRef idx="1">
-              <a:schemeClr val="accent1"/>
-            </a:fillRef>
-            <a:effectRef idx="0">
-              <a:schemeClr val="accent1"/>
-            </a:effectRef>
-            <a:fontRef idx="minor">
-              <a:schemeClr val="lt1"/>
-            </a:fontRef>
-          </p:style>
-          <p:txBody>
-            <a:bodyPr rot="0" spcFirstLastPara="0" vertOverflow="overflow" horzOverflow="overflow" vert="horz" wrap="square" lIns="91440" tIns="45720" rIns="91440" bIns="45720" numCol="1" spcCol="0" rtlCol="0" fromWordArt="0" anchor="ctr" anchorCtr="0" forceAA="0" compatLnSpc="1">
-              <a:prstTxWarp prst="textNoShape">
-                <a:avLst/>
-              </a:prstTxWarp>
-              <a:noAutofit/>
-            </a:bodyPr>
-            <a:lstStyle/>
-            <a:p>
-              <a:pPr algn="ctr"/>
-              <a:endParaRPr lang="en-GB"/>
-            </a:p>
-          </p:txBody>
-        </p:sp>
-        <p:sp>
-          <p:nvSpPr>
-            <p:cNvPr id="31" name="Freeform 57">
-              <a:extLst>
-                <a:ext uri="{FF2B5EF4-FFF2-40B4-BE49-F238E27FC236}">
-                  <a16:creationId xmlns:a16="http://schemas.microsoft.com/office/drawing/2014/main" id="{46912606-E12C-4AFA-9E1F-B49818BFED01}"/>
-                </a:ext>
-              </a:extLst>
-            </p:cNvPr>
-            <p:cNvSpPr>
-              <a:spLocks noChangeAspect="1" noEditPoints="1"/>
-            </p:cNvSpPr>
-            <p:nvPr/>
-          </p:nvSpPr>
-          <p:spPr bwMode="auto">
-            <a:xfrm>
-              <a:off x="847172" y="2168419"/>
-              <a:ext cx="687387" cy="749477"/>
-            </a:xfrm>
-            <a:custGeom>
-              <a:avLst/>
-              <a:gdLst>
-                <a:gd name="T0" fmla="*/ 1008 w 1056"/>
-                <a:gd name="T1" fmla="*/ 720 h 1152"/>
-                <a:gd name="T2" fmla="*/ 864 w 1056"/>
-                <a:gd name="T3" fmla="*/ 864 h 1152"/>
-                <a:gd name="T4" fmla="*/ 720 w 1056"/>
-                <a:gd name="T5" fmla="*/ 720 h 1152"/>
-                <a:gd name="T6" fmla="*/ 864 w 1056"/>
-                <a:gd name="T7" fmla="*/ 576 h 1152"/>
-                <a:gd name="T8" fmla="*/ 1008 w 1056"/>
-                <a:gd name="T9" fmla="*/ 720 h 1152"/>
-                <a:gd name="T10" fmla="*/ 1056 w 1056"/>
-                <a:gd name="T11" fmla="*/ 1056 h 1152"/>
-                <a:gd name="T12" fmla="*/ 1056 w 1056"/>
-                <a:gd name="T13" fmla="*/ 1152 h 1152"/>
-                <a:gd name="T14" fmla="*/ 576 w 1056"/>
-                <a:gd name="T15" fmla="*/ 1152 h 1152"/>
-                <a:gd name="T16" fmla="*/ 576 w 1056"/>
-                <a:gd name="T17" fmla="*/ 288 h 1152"/>
-                <a:gd name="T18" fmla="*/ 480 w 1056"/>
-                <a:gd name="T19" fmla="*/ 288 h 1152"/>
-                <a:gd name="T20" fmla="*/ 480 w 1056"/>
-                <a:gd name="T21" fmla="*/ 1152 h 1152"/>
-                <a:gd name="T22" fmla="*/ 384 w 1056"/>
-                <a:gd name="T23" fmla="*/ 1152 h 1152"/>
-                <a:gd name="T24" fmla="*/ 384 w 1056"/>
-                <a:gd name="T25" fmla="*/ 288 h 1152"/>
-                <a:gd name="T26" fmla="*/ 288 w 1056"/>
-                <a:gd name="T27" fmla="*/ 288 h 1152"/>
-                <a:gd name="T28" fmla="*/ 288 w 1056"/>
-                <a:gd name="T29" fmla="*/ 1152 h 1152"/>
-                <a:gd name="T30" fmla="*/ 0 w 1056"/>
-                <a:gd name="T31" fmla="*/ 1152 h 1152"/>
-                <a:gd name="T32" fmla="*/ 0 w 1056"/>
-                <a:gd name="T33" fmla="*/ 672 h 1152"/>
-                <a:gd name="T34" fmla="*/ 192 w 1056"/>
-                <a:gd name="T35" fmla="*/ 672 h 1152"/>
-                <a:gd name="T36" fmla="*/ 192 w 1056"/>
-                <a:gd name="T37" fmla="*/ 192 h 1152"/>
-                <a:gd name="T38" fmla="*/ 432 w 1056"/>
-                <a:gd name="T39" fmla="*/ 0 h 1152"/>
-                <a:gd name="T40" fmla="*/ 672 w 1056"/>
-                <a:gd name="T41" fmla="*/ 192 h 1152"/>
-                <a:gd name="T42" fmla="*/ 672 w 1056"/>
-                <a:gd name="T43" fmla="*/ 1056 h 1152"/>
-                <a:gd name="T44" fmla="*/ 864 w 1056"/>
-                <a:gd name="T45" fmla="*/ 864 h 1152"/>
-                <a:gd name="T46" fmla="*/ 1056 w 1056"/>
-                <a:gd name="T47" fmla="*/ 1056 h 1152"/>
-                <a:gd name="T48" fmla="*/ 192 w 1056"/>
-                <a:gd name="T49" fmla="*/ 960 h 1152"/>
-                <a:gd name="T50" fmla="*/ 96 w 1056"/>
-                <a:gd name="T51" fmla="*/ 960 h 1152"/>
-                <a:gd name="T52" fmla="*/ 96 w 1056"/>
-                <a:gd name="T53" fmla="*/ 1056 h 1152"/>
-                <a:gd name="T54" fmla="*/ 192 w 1056"/>
-                <a:gd name="T55" fmla="*/ 1056 h 1152"/>
-                <a:gd name="T56" fmla="*/ 192 w 1056"/>
-                <a:gd name="T57" fmla="*/ 960 h 1152"/>
-                <a:gd name="T58" fmla="*/ 192 w 1056"/>
-                <a:gd name="T59" fmla="*/ 768 h 1152"/>
-                <a:gd name="T60" fmla="*/ 96 w 1056"/>
-                <a:gd name="T61" fmla="*/ 768 h 1152"/>
-                <a:gd name="T62" fmla="*/ 96 w 1056"/>
-                <a:gd name="T63" fmla="*/ 864 h 1152"/>
-                <a:gd name="T64" fmla="*/ 192 w 1056"/>
-                <a:gd name="T65" fmla="*/ 864 h 1152"/>
-                <a:gd name="T66" fmla="*/ 192 w 1056"/>
-                <a:gd name="T67" fmla="*/ 768 h 1152"/>
-              </a:gdLst>
-              <a:ahLst/>
-              <a:cxnLst>
-                <a:cxn ang="0">
-                  <a:pos x="T0" y="T1"/>
-                </a:cxn>
-                <a:cxn ang="0">
-                  <a:pos x="T2" y="T3"/>
-                </a:cxn>
-                <a:cxn ang="0">
-                  <a:pos x="T4" y="T5"/>
-                </a:cxn>
-                <a:cxn ang="0">
-                  <a:pos x="T6" y="T7"/>
-                </a:cxn>
-                <a:cxn ang="0">
-                  <a:pos x="T8" y="T9"/>
-                </a:cxn>
-                <a:cxn ang="0">
-                  <a:pos x="T10" y="T11"/>
-                </a:cxn>
-                <a:cxn ang="0">
-                  <a:pos x="T12" y="T13"/>
-                </a:cxn>
-                <a:cxn ang="0">
-                  <a:pos x="T14" y="T15"/>
-                </a:cxn>
-                <a:cxn ang="0">
-                  <a:pos x="T16" y="T17"/>
-                </a:cxn>
-                <a:cxn ang="0">
-                  <a:pos x="T18" y="T19"/>
-                </a:cxn>
-                <a:cxn ang="0">
-                  <a:pos x="T20" y="T21"/>
-                </a:cxn>
-                <a:cxn ang="0">
-                  <a:pos x="T22" y="T23"/>
-                </a:cxn>
-                <a:cxn ang="0">
-                  <a:pos x="T24" y="T25"/>
-                </a:cxn>
-                <a:cxn ang="0">
-                  <a:pos x="T26" y="T27"/>
-                </a:cxn>
-                <a:cxn ang="0">
-                  <a:pos x="T28" y="T29"/>
-                </a:cxn>
-                <a:cxn ang="0">
-                  <a:pos x="T30" y="T31"/>
-                </a:cxn>
-                <a:cxn ang="0">
-                  <a:pos x="T32" y="T33"/>
-                </a:cxn>
-                <a:cxn ang="0">
-                  <a:pos x="T34" y="T35"/>
-                </a:cxn>
-                <a:cxn ang="0">
-                  <a:pos x="T36" y="T37"/>
-                </a:cxn>
-                <a:cxn ang="0">
-                  <a:pos x="T38" y="T39"/>
-                </a:cxn>
-                <a:cxn ang="0">
-                  <a:pos x="T40" y="T41"/>
-                </a:cxn>
-                <a:cxn ang="0">
-                  <a:pos x="T42" y="T43"/>
-                </a:cxn>
-                <a:cxn ang="0">
-                  <a:pos x="T44" y="T45"/>
-                </a:cxn>
-                <a:cxn ang="0">
-                  <a:pos x="T46" y="T47"/>
-                </a:cxn>
-                <a:cxn ang="0">
-                  <a:pos x="T48" y="T49"/>
-                </a:cxn>
-                <a:cxn ang="0">
-                  <a:pos x="T50" y="T51"/>
-                </a:cxn>
-                <a:cxn ang="0">
-                  <a:pos x="T52" y="T53"/>
-                </a:cxn>
-                <a:cxn ang="0">
-                  <a:pos x="T54" y="T55"/>
-                </a:cxn>
-                <a:cxn ang="0">
-                  <a:pos x="T56" y="T57"/>
-                </a:cxn>
-                <a:cxn ang="0">
-                  <a:pos x="T58" y="T59"/>
-                </a:cxn>
-                <a:cxn ang="0">
-                  <a:pos x="T60" y="T61"/>
-                </a:cxn>
-                <a:cxn ang="0">
-                  <a:pos x="T62" y="T63"/>
-                </a:cxn>
-                <a:cxn ang="0">
-                  <a:pos x="T64" y="T65"/>
-                </a:cxn>
-                <a:cxn ang="0">
-                  <a:pos x="T66" y="T67"/>
-                </a:cxn>
-              </a:cxnLst>
-              <a:rect l="0" t="0" r="r" b="b"/>
-              <a:pathLst>
-                <a:path w="1056" h="1152">
-                  <a:moveTo>
-                    <a:pt x="1008" y="720"/>
-                  </a:moveTo>
-                  <a:cubicBezTo>
-                    <a:pt x="1008" y="800"/>
-                    <a:pt x="944" y="864"/>
-                    <a:pt x="864" y="864"/>
-                  </a:cubicBezTo>
-                  <a:cubicBezTo>
-                    <a:pt x="785" y="864"/>
-                    <a:pt x="720" y="800"/>
-                    <a:pt x="720" y="720"/>
-                  </a:cubicBezTo>
-                  <a:cubicBezTo>
-                    <a:pt x="720" y="640"/>
-                    <a:pt x="785" y="576"/>
-                    <a:pt x="864" y="576"/>
-                  </a:cubicBezTo>
-                  <a:cubicBezTo>
-                    <a:pt x="944" y="576"/>
-                    <a:pt x="1008" y="640"/>
-                    <a:pt x="1008" y="720"/>
-                  </a:cubicBezTo>
-                  <a:close/>
-                  <a:moveTo>
-                    <a:pt x="1056" y="1056"/>
-                  </a:moveTo>
-                  <a:cubicBezTo>
-                    <a:pt x="1056" y="1152"/>
-                    <a:pt x="1056" y="1152"/>
-                    <a:pt x="1056" y="1152"/>
-                  </a:cubicBezTo>
-                  <a:cubicBezTo>
-                    <a:pt x="576" y="1152"/>
-                    <a:pt x="576" y="1152"/>
-                    <a:pt x="576" y="1152"/>
-                  </a:cubicBezTo>
-                  <a:cubicBezTo>
-                    <a:pt x="576" y="288"/>
-                    <a:pt x="576" y="288"/>
-                    <a:pt x="576" y="288"/>
-                  </a:cubicBezTo>
-                  <a:cubicBezTo>
-                    <a:pt x="480" y="288"/>
-                    <a:pt x="480" y="288"/>
-                    <a:pt x="480" y="288"/>
-                  </a:cubicBezTo>
-                  <a:cubicBezTo>
-                    <a:pt x="480" y="1152"/>
-                    <a:pt x="480" y="1152"/>
-                    <a:pt x="480" y="1152"/>
-                  </a:cubicBezTo>
-                  <a:cubicBezTo>
-                    <a:pt x="384" y="1152"/>
-                    <a:pt x="384" y="1152"/>
-                    <a:pt x="384" y="1152"/>
-                  </a:cubicBezTo>
-                  <a:cubicBezTo>
-                    <a:pt x="384" y="288"/>
-                    <a:pt x="384" y="288"/>
-                    <a:pt x="384" y="288"/>
-                  </a:cubicBezTo>
-                  <a:cubicBezTo>
-                    <a:pt x="288" y="288"/>
-                    <a:pt x="288" y="288"/>
-                    <a:pt x="288" y="288"/>
-                  </a:cubicBezTo>
-                  <a:cubicBezTo>
-                    <a:pt x="288" y="1152"/>
-                    <a:pt x="288" y="1152"/>
-                    <a:pt x="288" y="1152"/>
-                  </a:cubicBezTo>
-                  <a:cubicBezTo>
-                    <a:pt x="0" y="1152"/>
-                    <a:pt x="0" y="1152"/>
-                    <a:pt x="0" y="1152"/>
-                  </a:cubicBezTo>
-                  <a:cubicBezTo>
-                    <a:pt x="0" y="672"/>
-                    <a:pt x="0" y="672"/>
-                    <a:pt x="0" y="672"/>
-                  </a:cubicBezTo>
-                  <a:cubicBezTo>
-                    <a:pt x="192" y="672"/>
-                    <a:pt x="192" y="672"/>
-                    <a:pt x="192" y="672"/>
-                  </a:cubicBezTo>
-                  <a:cubicBezTo>
-                    <a:pt x="192" y="192"/>
-                    <a:pt x="192" y="192"/>
-                    <a:pt x="192" y="192"/>
-                  </a:cubicBezTo>
-                  <a:cubicBezTo>
-                    <a:pt x="432" y="0"/>
-                    <a:pt x="432" y="0"/>
-                    <a:pt x="432" y="0"/>
-                  </a:cubicBezTo>
-                  <a:cubicBezTo>
-                    <a:pt x="672" y="192"/>
-                    <a:pt x="672" y="192"/>
-                    <a:pt x="672" y="192"/>
-                  </a:cubicBezTo>
-                  <a:cubicBezTo>
-                    <a:pt x="672" y="1056"/>
-                    <a:pt x="672" y="1056"/>
-                    <a:pt x="672" y="1056"/>
-                  </a:cubicBezTo>
-                  <a:cubicBezTo>
-                    <a:pt x="672" y="950"/>
-                    <a:pt x="758" y="864"/>
-                    <a:pt x="864" y="864"/>
-                  </a:cubicBezTo>
-                  <a:cubicBezTo>
-                    <a:pt x="971" y="864"/>
-                    <a:pt x="1056" y="950"/>
-                    <a:pt x="1056" y="1056"/>
-                  </a:cubicBezTo>
-                  <a:close/>
-                  <a:moveTo>
-                    <a:pt x="192" y="960"/>
-                  </a:moveTo>
-                  <a:cubicBezTo>
-                    <a:pt x="96" y="960"/>
-                    <a:pt x="96" y="960"/>
-                    <a:pt x="96" y="960"/>
-                  </a:cubicBezTo>
-                  <a:cubicBezTo>
-                    <a:pt x="96" y="1056"/>
-                    <a:pt x="96" y="1056"/>
-                    <a:pt x="96" y="1056"/>
-                  </a:cubicBezTo>
-                  <a:cubicBezTo>
-                    <a:pt x="192" y="1056"/>
-                    <a:pt x="192" y="1056"/>
-                    <a:pt x="192" y="1056"/>
-                  </a:cubicBezTo>
-                  <a:lnTo>
-                    <a:pt x="192" y="960"/>
-                  </a:lnTo>
-                  <a:close/>
-                  <a:moveTo>
-                    <a:pt x="192" y="768"/>
-                  </a:moveTo>
-                  <a:cubicBezTo>
-                    <a:pt x="96" y="768"/>
-                    <a:pt x="96" y="768"/>
-                    <a:pt x="96" y="768"/>
-                  </a:cubicBezTo>
-                  <a:cubicBezTo>
-                    <a:pt x="96" y="864"/>
-                    <a:pt x="96" y="864"/>
-                    <a:pt x="96" y="864"/>
-                  </a:cubicBezTo>
-                  <a:cubicBezTo>
-                    <a:pt x="192" y="864"/>
-                    <a:pt x="192" y="864"/>
-                    <a:pt x="192" y="864"/>
-                  </a:cubicBezTo>
-                  <a:lnTo>
-                    <a:pt x="192" y="768"/>
-                  </a:lnTo>
-                  <a:close/>
-                </a:path>
-              </a:pathLst>
-            </a:custGeom>
-            <a:solidFill>
-              <a:srgbClr val="000000"/>
-            </a:solidFill>
-            <a:ln>
-              <a:noFill/>
-            </a:ln>
-            <a:extLst>
-              <a:ext uri="{91240B29-F687-4F45-9708-019B960494DF}">
-                <a14:hiddenLine xmlns:a14="http://schemas.microsoft.com/office/drawing/2010/main" w="9525">
-                  <a:solidFill>
-                    <a:srgbClr val="000000"/>
-                  </a:solidFill>
-                  <a:round/>
-                  <a:headEnd/>
-                  <a:tailEnd/>
-                </a14:hiddenLine>
-              </a:ext>
-            </a:extLst>
-          </p:spPr>
-          <p:txBody>
-            <a:bodyPr vert="horz" wrap="square" lIns="91440" tIns="45720" rIns="91440" bIns="45720" numCol="1" anchor="t" anchorCtr="0" compatLnSpc="1">
-              <a:prstTxWarp prst="textNoShape">
-                <a:avLst/>
-              </a:prstTxWarp>
-            </a:bodyPr>
-            <a:lstStyle/>
-            <a:p>
-              <a:endParaRPr lang="en-GB"/>
-            </a:p>
-          </p:txBody>
-        </p:sp>
-        <p:sp>
-          <p:nvSpPr>
-            <p:cNvPr id="44" name="TextBox 43">
-              <a:extLst>
-                <a:ext uri="{FF2B5EF4-FFF2-40B4-BE49-F238E27FC236}">
-                  <a16:creationId xmlns:a16="http://schemas.microsoft.com/office/drawing/2014/main" id="{6FB7027A-DF93-4D07-AA83-8A3CA397D9B7}"/>
-                </a:ext>
-              </a:extLst>
-            </p:cNvPr>
-            <p:cNvSpPr txBox="1"/>
-            <p:nvPr/>
-          </p:nvSpPr>
-          <p:spPr>
-            <a:xfrm>
-              <a:off x="440362" y="3363696"/>
-              <a:ext cx="1501005" cy="253916"/>
-            </a:xfrm>
-            <a:prstGeom prst="rect">
-              <a:avLst/>
-            </a:prstGeom>
-            <a:noFill/>
-          </p:spPr>
-          <p:txBody>
-            <a:bodyPr wrap="square" rtlCol="0">
-              <a:spAutoFit/>
-            </a:bodyPr>
-            <a:lstStyle/>
-            <a:p>
-              <a:pPr algn="ctr"/>
-              <a:r>
-                <a:rPr lang="en-GB" sz="1050" dirty="0">
-                  <a:latin typeface="GT Walsheim Pro" panose="00000500000000000000" pitchFamily="2" charset="0"/>
-                </a:rPr>
-                <a:t>Industrialist: Trends</a:t>
-              </a:r>
-            </a:p>
-          </p:txBody>
-        </p:sp>
-      </p:grpSp>
     </p:spTree>
     <p:extLst>
       <p:ext uri="{BB962C8B-B14F-4D97-AF65-F5344CB8AC3E}">
